--- a/Presentation on New Age Shopping.pptx
+++ b/Presentation on New Age Shopping.pptx
@@ -4,6 +4,9 @@
   <p:sldMasterIdLst>
     <p:sldMasterId id="2147483672" r:id="rId1"/>
   </p:sldMasterIdLst>
+  <p:notesMasterIdLst>
+    <p:notesMasterId r:id="rId16"/>
+  </p:notesMasterIdLst>
   <p:sldIdLst>
     <p:sldId id="256" r:id="rId2"/>
     <p:sldId id="257" r:id="rId3"/>
@@ -12,14 +15,13 @@
     <p:sldId id="262" r:id="rId6"/>
     <p:sldId id="269" r:id="rId7"/>
     <p:sldId id="264" r:id="rId8"/>
-    <p:sldId id="266" r:id="rId9"/>
-    <p:sldId id="279" r:id="rId10"/>
-    <p:sldId id="267" r:id="rId11"/>
-    <p:sldId id="268" r:id="rId12"/>
-    <p:sldId id="280" r:id="rId13"/>
-    <p:sldId id="274" r:id="rId14"/>
-    <p:sldId id="277" r:id="rId15"/>
-    <p:sldId id="275" r:id="rId16"/>
+    <p:sldId id="267" r:id="rId9"/>
+    <p:sldId id="268" r:id="rId10"/>
+    <p:sldId id="280" r:id="rId11"/>
+    <p:sldId id="274" r:id="rId12"/>
+    <p:sldId id="277" r:id="rId13"/>
+    <p:sldId id="282" r:id="rId14"/>
+    <p:sldId id="275" r:id="rId15"/>
   </p:sldIdLst>
   <p:sldSz cx="12192000" cy="6858000"/>
   <p:notesSz cx="6858000" cy="9144000"/>
@@ -126,6 +128,355 @@
 </p:presentation>
 </file>
 
+<file path=ppt/notesMasters/notesMaster1.xml><?xml version="1.0" encoding="utf-8"?>
+<p:notesMaster xmlns:a="http://schemas.openxmlformats.org/drawingml/2006/main" xmlns:r="http://schemas.openxmlformats.org/officeDocument/2006/relationships" xmlns:p="http://schemas.openxmlformats.org/presentationml/2006/main">
+  <p:cSld>
+    <p:bg>
+      <p:bgRef idx="1001">
+        <a:schemeClr val="bg1"/>
+      </p:bgRef>
+    </p:bg>
+    <p:spTree>
+      <p:nvGrpSpPr>
+        <p:cNvPr id="1" name=""/>
+        <p:cNvGrpSpPr/>
+        <p:nvPr/>
+      </p:nvGrpSpPr>
+      <p:grpSpPr>
+        <a:xfrm>
+          <a:off x="0" y="0"/>
+          <a:ext cx="0" cy="0"/>
+          <a:chOff x="0" y="0"/>
+          <a:chExt cx="0" cy="0"/>
+        </a:xfrm>
+      </p:grpSpPr>
+      <p:sp>
+        <p:nvSpPr>
+          <p:cNvPr id="2" name="Header Placeholder 1"/>
+          <p:cNvSpPr>
+            <a:spLocks noGrp="1"/>
+          </p:cNvSpPr>
+          <p:nvPr>
+            <p:ph type="hdr" sz="quarter"/>
+          </p:nvPr>
+        </p:nvSpPr>
+        <p:spPr>
+          <a:xfrm>
+            <a:off x="0" y="0"/>
+            <a:ext cx="2971800" cy="458788"/>
+          </a:xfrm>
+          <a:prstGeom prst="rect">
+            <a:avLst/>
+          </a:prstGeom>
+        </p:spPr>
+        <p:txBody>
+          <a:bodyPr vert="horz" lIns="91440" tIns="45720" rIns="91440" bIns="45720" rtlCol="0"/>
+          <a:lstStyle>
+            <a:lvl1pPr algn="l">
+              <a:defRPr sz="1200"/>
+            </a:lvl1pPr>
+          </a:lstStyle>
+          <a:p>
+            <a:endParaRPr lang="en-US"/>
+          </a:p>
+        </p:txBody>
+      </p:sp>
+      <p:sp>
+        <p:nvSpPr>
+          <p:cNvPr id="3" name="Date Placeholder 2"/>
+          <p:cNvSpPr>
+            <a:spLocks noGrp="1"/>
+          </p:cNvSpPr>
+          <p:nvPr>
+            <p:ph type="dt" idx="1"/>
+          </p:nvPr>
+        </p:nvSpPr>
+        <p:spPr>
+          <a:xfrm>
+            <a:off x="3884613" y="0"/>
+            <a:ext cx="2971800" cy="458788"/>
+          </a:xfrm>
+          <a:prstGeom prst="rect">
+            <a:avLst/>
+          </a:prstGeom>
+        </p:spPr>
+        <p:txBody>
+          <a:bodyPr vert="horz" lIns="91440" tIns="45720" rIns="91440" bIns="45720" rtlCol="0"/>
+          <a:lstStyle>
+            <a:lvl1pPr algn="r">
+              <a:defRPr sz="1200"/>
+            </a:lvl1pPr>
+          </a:lstStyle>
+          <a:p>
+            <a:fld id="{3AA01FDD-0826-4ACC-BEE7-1794CC1CD89A}" type="datetimeFigureOut">
+              <a:rPr lang="en-US" smtClean="0"/>
+              <a:t>10/5/2021</a:t>
+            </a:fld>
+            <a:endParaRPr lang="en-US"/>
+          </a:p>
+        </p:txBody>
+      </p:sp>
+      <p:sp>
+        <p:nvSpPr>
+          <p:cNvPr id="4" name="Slide Image Placeholder 3"/>
+          <p:cNvSpPr>
+            <a:spLocks noGrp="1" noRot="1" noChangeAspect="1"/>
+          </p:cNvSpPr>
+          <p:nvPr>
+            <p:ph type="sldImg" idx="2"/>
+          </p:nvPr>
+        </p:nvSpPr>
+        <p:spPr>
+          <a:xfrm>
+            <a:off x="685800" y="1143000"/>
+            <a:ext cx="5486400" cy="3086100"/>
+          </a:xfrm>
+          <a:prstGeom prst="rect">
+            <a:avLst/>
+          </a:prstGeom>
+          <a:noFill/>
+          <a:ln w="12700">
+            <a:solidFill>
+              <a:prstClr val="black"/>
+            </a:solidFill>
+          </a:ln>
+        </p:spPr>
+        <p:txBody>
+          <a:bodyPr vert="horz" lIns="91440" tIns="45720" rIns="91440" bIns="45720" rtlCol="0" anchor="ctr"/>
+          <a:lstStyle/>
+          <a:p>
+            <a:endParaRPr lang="en-US"/>
+          </a:p>
+        </p:txBody>
+      </p:sp>
+      <p:sp>
+        <p:nvSpPr>
+          <p:cNvPr id="5" name="Notes Placeholder 4"/>
+          <p:cNvSpPr>
+            <a:spLocks noGrp="1"/>
+          </p:cNvSpPr>
+          <p:nvPr>
+            <p:ph type="body" sz="quarter" idx="3"/>
+          </p:nvPr>
+        </p:nvSpPr>
+        <p:spPr>
+          <a:xfrm>
+            <a:off x="685800" y="4400550"/>
+            <a:ext cx="5486400" cy="3600450"/>
+          </a:xfrm>
+          <a:prstGeom prst="rect">
+            <a:avLst/>
+          </a:prstGeom>
+        </p:spPr>
+        <p:txBody>
+          <a:bodyPr vert="horz" lIns="91440" tIns="45720" rIns="91440" bIns="45720" rtlCol="0"/>
+          <a:lstStyle/>
+          <a:p>
+            <a:pPr lvl="0"/>
+            <a:r>
+              <a:rPr lang="en-US"/>
+              <a:t>Click to edit Master text styles</a:t>
+            </a:r>
+          </a:p>
+          <a:p>
+            <a:pPr lvl="1"/>
+            <a:r>
+              <a:rPr lang="en-US"/>
+              <a:t>Second level</a:t>
+            </a:r>
+          </a:p>
+          <a:p>
+            <a:pPr lvl="2"/>
+            <a:r>
+              <a:rPr lang="en-US"/>
+              <a:t>Third level</a:t>
+            </a:r>
+          </a:p>
+          <a:p>
+            <a:pPr lvl="3"/>
+            <a:r>
+              <a:rPr lang="en-US"/>
+              <a:t>Fourth level</a:t>
+            </a:r>
+          </a:p>
+          <a:p>
+            <a:pPr lvl="4"/>
+            <a:r>
+              <a:rPr lang="en-US"/>
+              <a:t>Fifth level</a:t>
+            </a:r>
+          </a:p>
+        </p:txBody>
+      </p:sp>
+      <p:sp>
+        <p:nvSpPr>
+          <p:cNvPr id="6" name="Footer Placeholder 5"/>
+          <p:cNvSpPr>
+            <a:spLocks noGrp="1"/>
+          </p:cNvSpPr>
+          <p:nvPr>
+            <p:ph type="ftr" sz="quarter" idx="4"/>
+          </p:nvPr>
+        </p:nvSpPr>
+        <p:spPr>
+          <a:xfrm>
+            <a:off x="0" y="8685213"/>
+            <a:ext cx="2971800" cy="458787"/>
+          </a:xfrm>
+          <a:prstGeom prst="rect">
+            <a:avLst/>
+          </a:prstGeom>
+        </p:spPr>
+        <p:txBody>
+          <a:bodyPr vert="horz" lIns="91440" tIns="45720" rIns="91440" bIns="45720" rtlCol="0" anchor="b"/>
+          <a:lstStyle>
+            <a:lvl1pPr algn="l">
+              <a:defRPr sz="1200"/>
+            </a:lvl1pPr>
+          </a:lstStyle>
+          <a:p>
+            <a:endParaRPr lang="en-US"/>
+          </a:p>
+        </p:txBody>
+      </p:sp>
+      <p:sp>
+        <p:nvSpPr>
+          <p:cNvPr id="7" name="Slide Number Placeholder 6"/>
+          <p:cNvSpPr>
+            <a:spLocks noGrp="1"/>
+          </p:cNvSpPr>
+          <p:nvPr>
+            <p:ph type="sldNum" sz="quarter" idx="5"/>
+          </p:nvPr>
+        </p:nvSpPr>
+        <p:spPr>
+          <a:xfrm>
+            <a:off x="3884613" y="8685213"/>
+            <a:ext cx="2971800" cy="458787"/>
+          </a:xfrm>
+          <a:prstGeom prst="rect">
+            <a:avLst/>
+          </a:prstGeom>
+        </p:spPr>
+        <p:txBody>
+          <a:bodyPr vert="horz" lIns="91440" tIns="45720" rIns="91440" bIns="45720" rtlCol="0" anchor="b"/>
+          <a:lstStyle>
+            <a:lvl1pPr algn="r">
+              <a:defRPr sz="1200"/>
+            </a:lvl1pPr>
+          </a:lstStyle>
+          <a:p>
+            <a:fld id="{74AAC6BC-5F4F-4AB3-AB09-760F15BBC66C}" type="slidenum">
+              <a:rPr lang="en-US" smtClean="0"/>
+              <a:t>‹#›</a:t>
+            </a:fld>
+            <a:endParaRPr lang="en-US"/>
+          </a:p>
+        </p:txBody>
+      </p:sp>
+    </p:spTree>
+    <p:extLst>
+      <p:ext uri="{BB962C8B-B14F-4D97-AF65-F5344CB8AC3E}">
+        <p14:creationId xmlns:p14="http://schemas.microsoft.com/office/powerpoint/2010/main" val="2176220184"/>
+      </p:ext>
+    </p:extLst>
+  </p:cSld>
+  <p:clrMap bg1="lt1" tx1="dk1" bg2="lt2" tx2="dk2" accent1="accent1" accent2="accent2" accent3="accent3" accent4="accent4" accent5="accent5" accent6="accent6" hlink="hlink" folHlink="folHlink"/>
+  <p:notesStyle>
+    <a:lvl1pPr marL="0" algn="l" defTabSz="914400" rtl="0" eaLnBrk="1" latinLnBrk="0" hangingPunct="1">
+      <a:defRPr sz="1200" kern="1200">
+        <a:solidFill>
+          <a:schemeClr val="tx1"/>
+        </a:solidFill>
+        <a:latin typeface="+mn-lt"/>
+        <a:ea typeface="+mn-ea"/>
+        <a:cs typeface="+mn-cs"/>
+      </a:defRPr>
+    </a:lvl1pPr>
+    <a:lvl2pPr marL="457200" algn="l" defTabSz="914400" rtl="0" eaLnBrk="1" latinLnBrk="0" hangingPunct="1">
+      <a:defRPr sz="1200" kern="1200">
+        <a:solidFill>
+          <a:schemeClr val="tx1"/>
+        </a:solidFill>
+        <a:latin typeface="+mn-lt"/>
+        <a:ea typeface="+mn-ea"/>
+        <a:cs typeface="+mn-cs"/>
+      </a:defRPr>
+    </a:lvl2pPr>
+    <a:lvl3pPr marL="914400" algn="l" defTabSz="914400" rtl="0" eaLnBrk="1" latinLnBrk="0" hangingPunct="1">
+      <a:defRPr sz="1200" kern="1200">
+        <a:solidFill>
+          <a:schemeClr val="tx1"/>
+        </a:solidFill>
+        <a:latin typeface="+mn-lt"/>
+        <a:ea typeface="+mn-ea"/>
+        <a:cs typeface="+mn-cs"/>
+      </a:defRPr>
+    </a:lvl3pPr>
+    <a:lvl4pPr marL="1371600" algn="l" defTabSz="914400" rtl="0" eaLnBrk="1" latinLnBrk="0" hangingPunct="1">
+      <a:defRPr sz="1200" kern="1200">
+        <a:solidFill>
+          <a:schemeClr val="tx1"/>
+        </a:solidFill>
+        <a:latin typeface="+mn-lt"/>
+        <a:ea typeface="+mn-ea"/>
+        <a:cs typeface="+mn-cs"/>
+      </a:defRPr>
+    </a:lvl4pPr>
+    <a:lvl5pPr marL="1828800" algn="l" defTabSz="914400" rtl="0" eaLnBrk="1" latinLnBrk="0" hangingPunct="1">
+      <a:defRPr sz="1200" kern="1200">
+        <a:solidFill>
+          <a:schemeClr val="tx1"/>
+        </a:solidFill>
+        <a:latin typeface="+mn-lt"/>
+        <a:ea typeface="+mn-ea"/>
+        <a:cs typeface="+mn-cs"/>
+      </a:defRPr>
+    </a:lvl5pPr>
+    <a:lvl6pPr marL="2286000" algn="l" defTabSz="914400" rtl="0" eaLnBrk="1" latinLnBrk="0" hangingPunct="1">
+      <a:defRPr sz="1200" kern="1200">
+        <a:solidFill>
+          <a:schemeClr val="tx1"/>
+        </a:solidFill>
+        <a:latin typeface="+mn-lt"/>
+        <a:ea typeface="+mn-ea"/>
+        <a:cs typeface="+mn-cs"/>
+      </a:defRPr>
+    </a:lvl6pPr>
+    <a:lvl7pPr marL="2743200" algn="l" defTabSz="914400" rtl="0" eaLnBrk="1" latinLnBrk="0" hangingPunct="1">
+      <a:defRPr sz="1200" kern="1200">
+        <a:solidFill>
+          <a:schemeClr val="tx1"/>
+        </a:solidFill>
+        <a:latin typeface="+mn-lt"/>
+        <a:ea typeface="+mn-ea"/>
+        <a:cs typeface="+mn-cs"/>
+      </a:defRPr>
+    </a:lvl7pPr>
+    <a:lvl8pPr marL="3200400" algn="l" defTabSz="914400" rtl="0" eaLnBrk="1" latinLnBrk="0" hangingPunct="1">
+      <a:defRPr sz="1200" kern="1200">
+        <a:solidFill>
+          <a:schemeClr val="tx1"/>
+        </a:solidFill>
+        <a:latin typeface="+mn-lt"/>
+        <a:ea typeface="+mn-ea"/>
+        <a:cs typeface="+mn-cs"/>
+      </a:defRPr>
+    </a:lvl8pPr>
+    <a:lvl9pPr marL="3657600" algn="l" defTabSz="914400" rtl="0" eaLnBrk="1" latinLnBrk="0" hangingPunct="1">
+      <a:defRPr sz="1200" kern="1200">
+        <a:solidFill>
+          <a:schemeClr val="tx1"/>
+        </a:solidFill>
+        <a:latin typeface="+mn-lt"/>
+        <a:ea typeface="+mn-ea"/>
+        <a:cs typeface="+mn-cs"/>
+      </a:defRPr>
+    </a:lvl9pPr>
+  </p:notesStyle>
+</p:notesMaster>
+</file>
+
 <file path=ppt/slideLayouts/slideLayout1.xml><?xml version="1.0" encoding="utf-8"?>
 <p:sldLayout xmlns:a="http://schemas.openxmlformats.org/drawingml/2006/main" xmlns:r="http://schemas.openxmlformats.org/officeDocument/2006/relationships" xmlns:p="http://schemas.openxmlformats.org/presentationml/2006/main" showMasterSp="0" type="title" preserve="1">
   <p:cSld name="Title Slide">
@@ -297,9 +648,9 @@
             </a:lvl1pPr>
           </a:lstStyle>
           <a:p>
-            <a:fld id="{0E56F3AF-3FC8-4432-935D-F6A405C882EF}" type="datetimeFigureOut">
+            <a:fld id="{42CADF1D-8AE5-4659-9657-05C970835CDB}" type="datetime1">
               <a:rPr lang="en-US" smtClean="0"/>
-              <a:t>10/3/2021</a:t>
+              <a:t>10/5/2021</a:t>
             </a:fld>
             <a:endParaRPr lang="en-US"/>
           </a:p>
@@ -627,9 +978,9 @@
           <a:bodyPr/>
           <a:lstStyle/>
           <a:p>
-            <a:fld id="{0E56F3AF-3FC8-4432-935D-F6A405C882EF}" type="datetimeFigureOut">
+            <a:fld id="{A1A99FD7-A180-4C2D-9534-493DDB1E936A}" type="datetime1">
               <a:rPr lang="en-US" smtClean="0"/>
-              <a:t>10/3/2021</a:t>
+              <a:t>10/5/2021</a:t>
             </a:fld>
             <a:endParaRPr lang="en-US"/>
           </a:p>
@@ -807,9 +1158,9 @@
           <a:bodyPr/>
           <a:lstStyle/>
           <a:p>
-            <a:fld id="{0E56F3AF-3FC8-4432-935D-F6A405C882EF}" type="datetimeFigureOut">
+            <a:fld id="{3F3DAB7C-30CC-4C64-A13F-B73072DB40A6}" type="datetime1">
               <a:rPr lang="en-US" smtClean="0"/>
-              <a:t>10/3/2021</a:t>
+              <a:t>10/5/2021</a:t>
             </a:fld>
             <a:endParaRPr lang="en-US"/>
           </a:p>
@@ -977,9 +1328,9 @@
           <a:bodyPr/>
           <a:lstStyle/>
           <a:p>
-            <a:fld id="{0E56F3AF-3FC8-4432-935D-F6A405C882EF}" type="datetimeFigureOut">
+            <a:fld id="{D0284EF8-1665-44D6-8A36-E0444690E539}" type="datetime1">
               <a:rPr lang="en-US" smtClean="0"/>
-              <a:t>10/3/2021</a:t>
+              <a:t>10/5/2021</a:t>
             </a:fld>
             <a:endParaRPr lang="en-US"/>
           </a:p>
@@ -1254,9 +1605,9 @@
             </a:lvl1pPr>
           </a:lstStyle>
           <a:p>
-            <a:fld id="{0E56F3AF-3FC8-4432-935D-F6A405C882EF}" type="datetimeFigureOut">
+            <a:fld id="{4E7B2E05-88DC-4428-BF32-10170DB78273}" type="datetime1">
               <a:rPr lang="en-US" smtClean="0"/>
-              <a:t>10/3/2021</a:t>
+              <a:t>10/5/2021</a:t>
             </a:fld>
             <a:endParaRPr lang="en-US"/>
           </a:p>
@@ -1648,9 +1999,9 @@
           <a:bodyPr/>
           <a:lstStyle/>
           <a:p>
-            <a:fld id="{0E56F3AF-3FC8-4432-935D-F6A405C882EF}" type="datetimeFigureOut">
+            <a:fld id="{9123FBDF-5B84-4842-B960-E32AEA33AD7C}" type="datetime1">
               <a:rPr lang="en-US" smtClean="0"/>
-              <a:t>10/3/2021</a:t>
+              <a:t>10/5/2021</a:t>
             </a:fld>
             <a:endParaRPr lang="en-US"/>
           </a:p>
@@ -2125,9 +2476,9 @@
           <a:bodyPr/>
           <a:lstStyle/>
           <a:p>
-            <a:fld id="{0E56F3AF-3FC8-4432-935D-F6A405C882EF}" type="datetimeFigureOut">
+            <a:fld id="{18D0F9F6-5C32-4F27-8C99-3E949B8FFEA5}" type="datetime1">
               <a:rPr lang="en-US" smtClean="0"/>
-              <a:t>10/3/2021</a:t>
+              <a:t>10/5/2021</a:t>
             </a:fld>
             <a:endParaRPr lang="en-US"/>
           </a:p>
@@ -2243,9 +2594,9 @@
           <a:bodyPr/>
           <a:lstStyle/>
           <a:p>
-            <a:fld id="{0E56F3AF-3FC8-4432-935D-F6A405C882EF}" type="datetimeFigureOut">
+            <a:fld id="{79556312-93B8-4D70-BB11-DB87DAAE42E9}" type="datetime1">
               <a:rPr lang="en-US" smtClean="0"/>
-              <a:t>10/3/2021</a:t>
+              <a:t>10/5/2021</a:t>
             </a:fld>
             <a:endParaRPr lang="en-US"/>
           </a:p>
@@ -2338,9 +2689,9 @@
           <a:bodyPr/>
           <a:lstStyle/>
           <a:p>
-            <a:fld id="{0E56F3AF-3FC8-4432-935D-F6A405C882EF}" type="datetimeFigureOut">
+            <a:fld id="{0932C144-D67A-4D22-8490-715B4A1C3921}" type="datetime1">
               <a:rPr lang="en-US" smtClean="0"/>
-              <a:t>10/3/2021</a:t>
+              <a:t>10/5/2021</a:t>
             </a:fld>
             <a:endParaRPr lang="en-US"/>
           </a:p>
@@ -2684,9 +3035,9 @@
             </a:lvl1pPr>
           </a:lstStyle>
           <a:p>
-            <a:fld id="{0E56F3AF-3FC8-4432-935D-F6A405C882EF}" type="datetimeFigureOut">
+            <a:fld id="{600E8BCF-F99B-43AD-B904-94B80C4B9F07}" type="datetime1">
               <a:rPr lang="en-US" smtClean="0"/>
-              <a:t>10/3/2021</a:t>
+              <a:t>10/5/2021</a:t>
             </a:fld>
             <a:endParaRPr lang="en-US"/>
           </a:p>
@@ -3072,9 +3423,9 @@
             </a:lvl1pPr>
           </a:lstStyle>
           <a:p>
-            <a:fld id="{0E56F3AF-3FC8-4432-935D-F6A405C882EF}" type="datetimeFigureOut">
+            <a:fld id="{4773EA08-317D-49B7-95DB-2AC4A9F6C17A}" type="datetime1">
               <a:rPr lang="en-US" smtClean="0"/>
-              <a:t>10/3/2021</a:t>
+              <a:t>10/5/2021</a:t>
             </a:fld>
             <a:endParaRPr lang="en-US"/>
           </a:p>
@@ -3350,9 +3701,9 @@
             </a:lvl1pPr>
           </a:lstStyle>
           <a:p>
-            <a:fld id="{0E56F3AF-3FC8-4432-935D-F6A405C882EF}" type="datetimeFigureOut">
+            <a:fld id="{0217280D-49D7-4ABC-A80F-E9D1B6CE60F8}" type="datetime1">
               <a:rPr lang="en-US" smtClean="0"/>
-              <a:t>10/3/2021</a:t>
+              <a:t>10/5/2021</a:t>
             </a:fld>
             <a:endParaRPr lang="en-US"/>
           </a:p>
@@ -3491,6 +3842,7 @@
     <p:sldLayoutId id="2147483682" r:id="rId10"/>
     <p:sldLayoutId id="2147483683" r:id="rId11"/>
   </p:sldLayoutIdLst>
+  <p:hf hdr="0" ftr="0"/>
   <p:txStyles>
     <p:titleStyle>
       <a:lvl1pPr algn="l" defTabSz="914400" rtl="0" eaLnBrk="1" latinLnBrk="0" hangingPunct="1">
@@ -3965,8 +4317,8 @@
         </p:nvSpPr>
         <p:spPr>
           <a:xfrm>
-            <a:off x="765025" y="3885023"/>
-            <a:ext cx="9612971" cy="1143324"/>
+            <a:off x="1015858" y="3228717"/>
+            <a:ext cx="9612971" cy="2507065"/>
           </a:xfrm>
         </p:spPr>
         <p:txBody>
@@ -4099,6 +4451,122 @@
               </a:rPr>
               <a:t> (171748)</a:t>
             </a:r>
+          </a:p>
+          <a:p>
+            <a:r>
+              <a:rPr lang="en-US" b="1" i="1" u="sng" dirty="0">
+                <a:solidFill>
+                  <a:schemeClr val="accent4">
+                    <a:lumMod val="50000"/>
+                  </a:schemeClr>
+                </a:solidFill>
+                <a:latin typeface="Times New Roman" panose="02020603050405020304" pitchFamily="18" charset="0"/>
+                <a:cs typeface="Times New Roman" panose="02020603050405020304" pitchFamily="18" charset="0"/>
+              </a:rPr>
+              <a:t>Supervisor</a:t>
+            </a:r>
+            <a:r>
+              <a:rPr lang="en-US" dirty="0">
+                <a:solidFill>
+                  <a:schemeClr val="accent4">
+                    <a:lumMod val="50000"/>
+                  </a:schemeClr>
+                </a:solidFill>
+                <a:latin typeface="Times New Roman" panose="02020603050405020304" pitchFamily="18" charset="0"/>
+                <a:cs typeface="Times New Roman" panose="02020603050405020304" pitchFamily="18" charset="0"/>
+              </a:rPr>
+              <a:t>: Mr. Prakash </a:t>
+            </a:r>
+            <a:r>
+              <a:rPr lang="en-US" dirty="0" err="1">
+                <a:solidFill>
+                  <a:schemeClr val="accent4">
+                    <a:lumMod val="50000"/>
+                  </a:schemeClr>
+                </a:solidFill>
+                <a:latin typeface="Times New Roman" panose="02020603050405020304" pitchFamily="18" charset="0"/>
+                <a:cs typeface="Times New Roman" panose="02020603050405020304" pitchFamily="18" charset="0"/>
+              </a:rPr>
+              <a:t>Paudal</a:t>
+            </a:r>
+            <a:endParaRPr lang="en-US" dirty="0">
+              <a:solidFill>
+                <a:schemeClr val="accent4">
+                  <a:lumMod val="50000"/>
+                </a:schemeClr>
+              </a:solidFill>
+              <a:latin typeface="Times New Roman" panose="02020603050405020304" pitchFamily="18" charset="0"/>
+              <a:cs typeface="Times New Roman" panose="02020603050405020304" pitchFamily="18" charset="0"/>
+            </a:endParaRPr>
+          </a:p>
+          <a:p>
+            <a:endParaRPr lang="en-US" dirty="0">
+              <a:solidFill>
+                <a:schemeClr val="accent4">
+                  <a:lumMod val="50000"/>
+                </a:schemeClr>
+              </a:solidFill>
+              <a:latin typeface="Times New Roman" panose="02020603050405020304" pitchFamily="18" charset="0"/>
+              <a:cs typeface="Times New Roman" panose="02020603050405020304" pitchFamily="18" charset="0"/>
+            </a:endParaRPr>
+          </a:p>
+        </p:txBody>
+      </p:sp>
+      <p:sp>
+        <p:nvSpPr>
+          <p:cNvPr id="4" name="Date Placeholder 3">
+            <a:extLst>
+              <a:ext uri="{FF2B5EF4-FFF2-40B4-BE49-F238E27FC236}">
+                <a16:creationId xmlns:a16="http://schemas.microsoft.com/office/drawing/2014/main" id="{8A3F6908-D77C-4A00-BFF2-38AF3444B784}"/>
+              </a:ext>
+            </a:extLst>
+          </p:cNvPr>
+          <p:cNvSpPr>
+            <a:spLocks noGrp="1"/>
+          </p:cNvSpPr>
+          <p:nvPr>
+            <p:ph type="dt" sz="half" idx="10"/>
+          </p:nvPr>
+        </p:nvSpPr>
+        <p:spPr/>
+        <p:txBody>
+          <a:bodyPr/>
+          <a:lstStyle/>
+          <a:p>
+            <a:fld id="{84A3B848-8A61-4695-A7D7-934FFC4693E7}" type="datetime1">
+              <a:rPr lang="en-US" smtClean="0"/>
+              <a:t>10/5/2021</a:t>
+            </a:fld>
+            <a:endParaRPr lang="en-US"/>
+          </a:p>
+        </p:txBody>
+      </p:sp>
+      <p:sp>
+        <p:nvSpPr>
+          <p:cNvPr id="5" name="Slide Number Placeholder 4">
+            <a:extLst>
+              <a:ext uri="{FF2B5EF4-FFF2-40B4-BE49-F238E27FC236}">
+                <a16:creationId xmlns:a16="http://schemas.microsoft.com/office/drawing/2014/main" id="{9BD1A72F-B6D0-47EB-86DE-B4BF0AB92170}"/>
+              </a:ext>
+            </a:extLst>
+          </p:cNvPr>
+          <p:cNvSpPr>
+            <a:spLocks noGrp="1"/>
+          </p:cNvSpPr>
+          <p:nvPr>
+            <p:ph type="sldNum" sz="quarter" idx="12"/>
+          </p:nvPr>
+        </p:nvSpPr>
+        <p:spPr/>
+        <p:txBody>
+          <a:bodyPr/>
+          <a:lstStyle/>
+          <a:p>
+            <a:fld id="{90867E64-9CDD-4594-817B-3148A41C060D}" type="slidenum">
+              <a:rPr lang="en-US" smtClean="0"/>
+              <a:t>1</a:t>
+            </a:fld>
+            <a:endParaRPr lang="en-US"/>
           </a:p>
         </p:txBody>
       </p:sp>
@@ -4137,7 +4605,7 @@
           <p:cNvPr id="2" name="Title 1">
             <a:extLst>
               <a:ext uri="{FF2B5EF4-FFF2-40B4-BE49-F238E27FC236}">
-                <a16:creationId xmlns:a16="http://schemas.microsoft.com/office/drawing/2014/main" id="{1266A6C8-818C-44CF-B490-A691A826CE0A}"/>
+                <a16:creationId xmlns:a16="http://schemas.microsoft.com/office/drawing/2014/main" id="{EA8763CE-9AE0-4F18-BF5D-8A834E385EDF}"/>
               </a:ext>
             </a:extLst>
           </p:cNvPr>
@@ -4150,8 +4618,8 @@
         </p:nvSpPr>
         <p:spPr>
           <a:xfrm>
-            <a:off x="838200" y="0"/>
-            <a:ext cx="10515600" cy="734805"/>
+            <a:off x="1295400" y="20993"/>
+            <a:ext cx="9601200" cy="947057"/>
           </a:xfrm>
         </p:spPr>
         <p:txBody>
@@ -4159,21 +4627,76 @@
           <a:lstStyle/>
           <a:p>
             <a:r>
-              <a:rPr lang="en-US" dirty="0">
-                <a:latin typeface="Times New Roman" panose="02020603050405020304" pitchFamily="18" charset="0"/>
-                <a:cs typeface="Times New Roman" panose="02020603050405020304" pitchFamily="18" charset="0"/>
-              </a:rPr>
-              <a:t>Use Case Diagram</a:t>
-            </a:r>
+              <a:rPr lang="en-US" dirty="0"/>
+              <a:t>ER Diagram</a:t>
+            </a:r>
+          </a:p>
+        </p:txBody>
+      </p:sp>
+      <p:sp>
+        <p:nvSpPr>
+          <p:cNvPr id="3" name="Date Placeholder 2">
+            <a:extLst>
+              <a:ext uri="{FF2B5EF4-FFF2-40B4-BE49-F238E27FC236}">
+                <a16:creationId xmlns:a16="http://schemas.microsoft.com/office/drawing/2014/main" id="{A6BE63ED-91BF-49BE-8FCD-111EB0C61279}"/>
+              </a:ext>
+            </a:extLst>
+          </p:cNvPr>
+          <p:cNvSpPr>
+            <a:spLocks noGrp="1"/>
+          </p:cNvSpPr>
+          <p:nvPr>
+            <p:ph type="dt" sz="half" idx="10"/>
+          </p:nvPr>
+        </p:nvSpPr>
+        <p:spPr/>
+        <p:txBody>
+          <a:bodyPr/>
+          <a:lstStyle/>
+          <a:p>
+            <a:fld id="{00468924-314A-47C8-A011-8AE8B4A0AB33}" type="datetime1">
+              <a:rPr lang="en-US" smtClean="0"/>
+              <a:t>10/5/2021</a:t>
+            </a:fld>
+            <a:endParaRPr lang="en-US"/>
+          </a:p>
+        </p:txBody>
+      </p:sp>
+      <p:sp>
+        <p:nvSpPr>
+          <p:cNvPr id="4" name="Slide Number Placeholder 3">
+            <a:extLst>
+              <a:ext uri="{FF2B5EF4-FFF2-40B4-BE49-F238E27FC236}">
+                <a16:creationId xmlns:a16="http://schemas.microsoft.com/office/drawing/2014/main" id="{1F01573E-1E94-4F9C-8C58-7B819220A298}"/>
+              </a:ext>
+            </a:extLst>
+          </p:cNvPr>
+          <p:cNvSpPr>
+            <a:spLocks noGrp="1"/>
+          </p:cNvSpPr>
+          <p:nvPr>
+            <p:ph type="sldNum" sz="quarter" idx="12"/>
+          </p:nvPr>
+        </p:nvSpPr>
+        <p:spPr/>
+        <p:txBody>
+          <a:bodyPr/>
+          <a:lstStyle/>
+          <a:p>
+            <a:fld id="{90867E64-9CDD-4594-817B-3148A41C060D}" type="slidenum">
+              <a:rPr lang="en-US" smtClean="0"/>
+              <a:t>10</a:t>
+            </a:fld>
+            <a:endParaRPr lang="en-US"/>
           </a:p>
         </p:txBody>
       </p:sp>
       <p:pic>
         <p:nvPicPr>
-          <p:cNvPr id="4" name="Content Placeholder 3">
+          <p:cNvPr id="9" name="Content Placeholder 8">
             <a:extLst>
               <a:ext uri="{FF2B5EF4-FFF2-40B4-BE49-F238E27FC236}">
-                <a16:creationId xmlns:a16="http://schemas.microsoft.com/office/drawing/2014/main" id="{C249B5CA-1C71-4165-A71D-10A5306D8B16}"/>
+                <a16:creationId xmlns:a16="http://schemas.microsoft.com/office/drawing/2014/main" id="{B0AFA36E-211F-46D3-BA40-043AB9341741}"/>
               </a:ext>
             </a:extLst>
           </p:cNvPr>
@@ -4198,15 +4721,15 @@
         </p:blipFill>
         <p:spPr>
           <a:xfrm>
-            <a:off x="1707502" y="734805"/>
-            <a:ext cx="9227976" cy="5656664"/>
+            <a:off x="1295400" y="968050"/>
+            <a:ext cx="10037618" cy="5127949"/>
           </a:xfrm>
         </p:spPr>
       </p:pic>
     </p:spTree>
     <p:extLst>
       <p:ext uri="{BB962C8B-B14F-4D97-AF65-F5344CB8AC3E}">
-        <p14:creationId xmlns:p14="http://schemas.microsoft.com/office/powerpoint/2010/main" val="3574736758"/>
+        <p14:creationId xmlns:p14="http://schemas.microsoft.com/office/powerpoint/2010/main" val="1083989234"/>
       </p:ext>
     </p:extLst>
   </p:cSld>
@@ -4238,210 +4761,6 @@
           <p:cNvPr id="2" name="Title 1">
             <a:extLst>
               <a:ext uri="{FF2B5EF4-FFF2-40B4-BE49-F238E27FC236}">
-                <a16:creationId xmlns:a16="http://schemas.microsoft.com/office/drawing/2014/main" id="{2E9B01BC-CD77-434E-B83B-423FA3BECF04}"/>
-              </a:ext>
-            </a:extLst>
-          </p:cNvPr>
-          <p:cNvSpPr>
-            <a:spLocks noGrp="1"/>
-          </p:cNvSpPr>
-          <p:nvPr>
-            <p:ph type="title"/>
-          </p:nvPr>
-        </p:nvSpPr>
-        <p:spPr>
-          <a:xfrm>
-            <a:off x="838200" y="365125"/>
-            <a:ext cx="10515600" cy="1304649"/>
-          </a:xfrm>
-        </p:spPr>
-        <p:txBody>
-          <a:bodyPr/>
-          <a:lstStyle/>
-          <a:p>
-            <a:r>
-              <a:rPr lang="en-US" dirty="0">
-                <a:latin typeface="Times New Roman" panose="02020603050405020304" pitchFamily="18" charset="0"/>
-                <a:cs typeface="Times New Roman" panose="02020603050405020304" pitchFamily="18" charset="0"/>
-              </a:rPr>
-              <a:t>Data Flow Diagram</a:t>
-            </a:r>
-            <a:br>
-              <a:rPr lang="en-US" dirty="0">
-                <a:latin typeface="Times New Roman" panose="02020603050405020304" pitchFamily="18" charset="0"/>
-                <a:cs typeface="Times New Roman" panose="02020603050405020304" pitchFamily="18" charset="0"/>
-              </a:rPr>
-            </a:br>
-            <a:endParaRPr lang="en-US" dirty="0">
-              <a:latin typeface="Times New Roman" panose="02020603050405020304" pitchFamily="18" charset="0"/>
-              <a:cs typeface="Times New Roman" panose="02020603050405020304" pitchFamily="18" charset="0"/>
-            </a:endParaRPr>
-          </a:p>
-        </p:txBody>
-      </p:sp>
-      <p:pic>
-        <p:nvPicPr>
-          <p:cNvPr id="5" name="Picture 4">
-            <a:extLst>
-              <a:ext uri="{FF2B5EF4-FFF2-40B4-BE49-F238E27FC236}">
-                <a16:creationId xmlns:a16="http://schemas.microsoft.com/office/drawing/2014/main" id="{9E0B3754-8325-4453-A626-3A9F120FD33A}"/>
-              </a:ext>
-            </a:extLst>
-          </p:cNvPr>
-          <p:cNvPicPr>
-            <a:picLocks noChangeAspect="1"/>
-          </p:cNvPicPr>
-          <p:nvPr/>
-        </p:nvPicPr>
-        <p:blipFill>
-          <a:blip r:embed="rId2"/>
-          <a:stretch>
-            <a:fillRect/>
-          </a:stretch>
-        </p:blipFill>
-        <p:spPr>
-          <a:xfrm>
-            <a:off x="1785937" y="1114425"/>
-            <a:ext cx="8620125" cy="4629150"/>
-          </a:xfrm>
-          <a:prstGeom prst="rect">
-            <a:avLst/>
-          </a:prstGeom>
-        </p:spPr>
-      </p:pic>
-    </p:spTree>
-    <p:extLst>
-      <p:ext uri="{BB962C8B-B14F-4D97-AF65-F5344CB8AC3E}">
-        <p14:creationId xmlns:p14="http://schemas.microsoft.com/office/powerpoint/2010/main" val="4231862525"/>
-      </p:ext>
-    </p:extLst>
-  </p:cSld>
-  <p:clrMapOvr>
-    <a:masterClrMapping/>
-  </p:clrMapOvr>
-</p:sld>
-</file>
-
-<file path=ppt/slides/slide12.xml><?xml version="1.0" encoding="utf-8"?>
-<p:sld xmlns:a="http://schemas.openxmlformats.org/drawingml/2006/main" xmlns:r="http://schemas.openxmlformats.org/officeDocument/2006/relationships" xmlns:p="http://schemas.openxmlformats.org/presentationml/2006/main">
-  <p:cSld>
-    <p:spTree>
-      <p:nvGrpSpPr>
-        <p:cNvPr id="1" name=""/>
-        <p:cNvGrpSpPr/>
-        <p:nvPr/>
-      </p:nvGrpSpPr>
-      <p:grpSpPr>
-        <a:xfrm>
-          <a:off x="0" y="0"/>
-          <a:ext cx="0" cy="0"/>
-          <a:chOff x="0" y="0"/>
-          <a:chExt cx="0" cy="0"/>
-        </a:xfrm>
-      </p:grpSpPr>
-      <p:sp>
-        <p:nvSpPr>
-          <p:cNvPr id="2" name="Title 1">
-            <a:extLst>
-              <a:ext uri="{FF2B5EF4-FFF2-40B4-BE49-F238E27FC236}">
-                <a16:creationId xmlns:a16="http://schemas.microsoft.com/office/drawing/2014/main" id="{EA8763CE-9AE0-4F18-BF5D-8A834E385EDF}"/>
-              </a:ext>
-            </a:extLst>
-          </p:cNvPr>
-          <p:cNvSpPr>
-            <a:spLocks noGrp="1"/>
-          </p:cNvSpPr>
-          <p:nvPr>
-            <p:ph type="title"/>
-          </p:nvPr>
-        </p:nvSpPr>
-        <p:spPr>
-          <a:xfrm>
-            <a:off x="1295400" y="20993"/>
-            <a:ext cx="9601200" cy="947057"/>
-          </a:xfrm>
-        </p:spPr>
-        <p:txBody>
-          <a:bodyPr/>
-          <a:lstStyle/>
-          <a:p>
-            <a:r>
-              <a:rPr lang="en-US" dirty="0"/>
-              <a:t>ER Diagram</a:t>
-            </a:r>
-          </a:p>
-        </p:txBody>
-      </p:sp>
-      <p:pic>
-        <p:nvPicPr>
-          <p:cNvPr id="5" name="Content Placeholder 4">
-            <a:extLst>
-              <a:ext uri="{FF2B5EF4-FFF2-40B4-BE49-F238E27FC236}">
-                <a16:creationId xmlns:a16="http://schemas.microsoft.com/office/drawing/2014/main" id="{81125202-9756-4396-AFD9-49519FF5455E}"/>
-              </a:ext>
-            </a:extLst>
-          </p:cNvPr>
-          <p:cNvPicPr>
-            <a:picLocks noGrp="1" noChangeAspect="1"/>
-          </p:cNvPicPr>
-          <p:nvPr>
-            <p:ph idx="1"/>
-          </p:nvPr>
-        </p:nvPicPr>
-        <p:blipFill>
-          <a:blip r:embed="rId2">
-            <a:extLst>
-              <a:ext uri="{28A0092B-C50C-407E-A947-70E740481C1C}">
-                <a14:useLocalDpi xmlns:a14="http://schemas.microsoft.com/office/drawing/2010/main" val="0"/>
-              </a:ext>
-            </a:extLst>
-          </a:blip>
-          <a:stretch>
-            <a:fillRect/>
-          </a:stretch>
-        </p:blipFill>
-        <p:spPr>
-          <a:xfrm>
-            <a:off x="1371600" y="1054359"/>
-            <a:ext cx="10011747" cy="5309119"/>
-          </a:xfrm>
-        </p:spPr>
-      </p:pic>
-    </p:spTree>
-    <p:extLst>
-      <p:ext uri="{BB962C8B-B14F-4D97-AF65-F5344CB8AC3E}">
-        <p14:creationId xmlns:p14="http://schemas.microsoft.com/office/powerpoint/2010/main" val="1083989234"/>
-      </p:ext>
-    </p:extLst>
-  </p:cSld>
-  <p:clrMapOvr>
-    <a:masterClrMapping/>
-  </p:clrMapOvr>
-</p:sld>
-</file>
-
-<file path=ppt/slides/slide13.xml><?xml version="1.0" encoding="utf-8"?>
-<p:sld xmlns:a="http://schemas.openxmlformats.org/drawingml/2006/main" xmlns:r="http://schemas.openxmlformats.org/officeDocument/2006/relationships" xmlns:p="http://schemas.openxmlformats.org/presentationml/2006/main">
-  <p:cSld>
-    <p:spTree>
-      <p:nvGrpSpPr>
-        <p:cNvPr id="1" name=""/>
-        <p:cNvGrpSpPr/>
-        <p:nvPr/>
-      </p:nvGrpSpPr>
-      <p:grpSpPr>
-        <a:xfrm>
-          <a:off x="0" y="0"/>
-          <a:ext cx="0" cy="0"/>
-          <a:chOff x="0" y="0"/>
-          <a:chExt cx="0" cy="0"/>
-        </a:xfrm>
-      </p:grpSpPr>
-      <p:sp>
-        <p:nvSpPr>
-          <p:cNvPr id="2" name="Title 1">
-            <a:extLst>
-              <a:ext uri="{FF2B5EF4-FFF2-40B4-BE49-F238E27FC236}">
                 <a16:creationId xmlns:a16="http://schemas.microsoft.com/office/drawing/2014/main" id="{DF10EF9C-674C-407D-847D-583F93E48B81}"/>
               </a:ext>
             </a:extLst>
@@ -4589,6 +4908,64 @@
               <a:latin typeface="Times New Roman" panose="02020603050405020304" pitchFamily="18" charset="0"/>
               <a:cs typeface="Times New Roman" panose="02020603050405020304" pitchFamily="18" charset="0"/>
             </a:endParaRPr>
+          </a:p>
+        </p:txBody>
+      </p:sp>
+      <p:sp>
+        <p:nvSpPr>
+          <p:cNvPr id="4" name="Date Placeholder 3">
+            <a:extLst>
+              <a:ext uri="{FF2B5EF4-FFF2-40B4-BE49-F238E27FC236}">
+                <a16:creationId xmlns:a16="http://schemas.microsoft.com/office/drawing/2014/main" id="{1C211411-3B5A-4965-AA9A-12648A7EF9AF}"/>
+              </a:ext>
+            </a:extLst>
+          </p:cNvPr>
+          <p:cNvSpPr>
+            <a:spLocks noGrp="1"/>
+          </p:cNvSpPr>
+          <p:nvPr>
+            <p:ph type="dt" sz="half" idx="10"/>
+          </p:nvPr>
+        </p:nvSpPr>
+        <p:spPr/>
+        <p:txBody>
+          <a:bodyPr/>
+          <a:lstStyle/>
+          <a:p>
+            <a:fld id="{F022061F-57FF-4E82-9BF0-303FA74CB64E}" type="datetime1">
+              <a:rPr lang="en-US" smtClean="0"/>
+              <a:t>10/5/2021</a:t>
+            </a:fld>
+            <a:endParaRPr lang="en-US"/>
+          </a:p>
+        </p:txBody>
+      </p:sp>
+      <p:sp>
+        <p:nvSpPr>
+          <p:cNvPr id="5" name="Slide Number Placeholder 4">
+            <a:extLst>
+              <a:ext uri="{FF2B5EF4-FFF2-40B4-BE49-F238E27FC236}">
+                <a16:creationId xmlns:a16="http://schemas.microsoft.com/office/drawing/2014/main" id="{A96E32C9-BBF0-45DE-8401-7E6636E6BFAE}"/>
+              </a:ext>
+            </a:extLst>
+          </p:cNvPr>
+          <p:cNvSpPr>
+            <a:spLocks noGrp="1"/>
+          </p:cNvSpPr>
+          <p:nvPr>
+            <p:ph type="sldNum" sz="quarter" idx="12"/>
+          </p:nvPr>
+        </p:nvSpPr>
+        <p:spPr/>
+        <p:txBody>
+          <a:bodyPr/>
+          <a:lstStyle/>
+          <a:p>
+            <a:fld id="{90867E64-9CDD-4594-817B-3148A41C060D}" type="slidenum">
+              <a:rPr lang="en-US" smtClean="0"/>
+              <a:t>11</a:t>
+            </a:fld>
+            <a:endParaRPr lang="en-US"/>
           </a:p>
         </p:txBody>
       </p:sp>
@@ -4605,7 +4982,7 @@
 </p:sld>
 </file>
 
-<file path=ppt/slides/slide14.xml><?xml version="1.0" encoding="utf-8"?>
+<file path=ppt/slides/slide12.xml><?xml version="1.0" encoding="utf-8"?>
 <p:sld xmlns:a="http://schemas.openxmlformats.org/drawingml/2006/main" xmlns:r="http://schemas.openxmlformats.org/officeDocument/2006/relationships" xmlns:p="http://schemas.openxmlformats.org/presentationml/2006/main">
   <p:cSld>
     <p:spTree>
@@ -4734,20 +5111,6 @@
             <a:pPr lvl="0"/>
             <a:r>
               <a:rPr lang="en-US" dirty="0"/>
-              <a:t>Implementing the program to the mobile,</a:t>
-            </a:r>
-          </a:p>
-          <a:p>
-            <a:pPr lvl="0"/>
-            <a:r>
-              <a:rPr lang="en-US" dirty="0"/>
-              <a:t>Implementing the chat system,</a:t>
-            </a:r>
-          </a:p>
-          <a:p>
-            <a:pPr lvl="0"/>
-            <a:r>
-              <a:rPr lang="en-US" dirty="0"/>
               <a:t>Improving the search engine.</a:t>
             </a:r>
           </a:p>
@@ -4762,14 +5125,14 @@
             <a:pPr lvl="0"/>
             <a:r>
               <a:rPr lang="en-US" dirty="0"/>
-              <a:t>Payment with Card</a:t>
+              <a:t>Payment with Card, Khalti</a:t>
             </a:r>
           </a:p>
           <a:p>
             <a:pPr lvl="0"/>
             <a:r>
               <a:rPr lang="en-US" dirty="0"/>
-              <a:t>Mail to customer after making purchase</a:t>
+              <a:t>Inventory management</a:t>
             </a:r>
           </a:p>
           <a:p>
@@ -4781,6 +5144,64 @@
           </a:p>
           <a:p>
             <a:endParaRPr lang="en-US" dirty="0"/>
+          </a:p>
+        </p:txBody>
+      </p:sp>
+      <p:sp>
+        <p:nvSpPr>
+          <p:cNvPr id="4" name="Date Placeholder 3">
+            <a:extLst>
+              <a:ext uri="{FF2B5EF4-FFF2-40B4-BE49-F238E27FC236}">
+                <a16:creationId xmlns:a16="http://schemas.microsoft.com/office/drawing/2014/main" id="{81F0B3D6-C692-4B72-8AF9-A0A4F60D5B9B}"/>
+              </a:ext>
+            </a:extLst>
+          </p:cNvPr>
+          <p:cNvSpPr>
+            <a:spLocks noGrp="1"/>
+          </p:cNvSpPr>
+          <p:nvPr>
+            <p:ph type="dt" sz="half" idx="10"/>
+          </p:nvPr>
+        </p:nvSpPr>
+        <p:spPr/>
+        <p:txBody>
+          <a:bodyPr/>
+          <a:lstStyle/>
+          <a:p>
+            <a:fld id="{F59BD3B5-F2AE-4385-83F3-32E9D2D5652F}" type="datetime1">
+              <a:rPr lang="en-US" smtClean="0"/>
+              <a:t>10/5/2021</a:t>
+            </a:fld>
+            <a:endParaRPr lang="en-US"/>
+          </a:p>
+        </p:txBody>
+      </p:sp>
+      <p:sp>
+        <p:nvSpPr>
+          <p:cNvPr id="6" name="Slide Number Placeholder 5">
+            <a:extLst>
+              <a:ext uri="{FF2B5EF4-FFF2-40B4-BE49-F238E27FC236}">
+                <a16:creationId xmlns:a16="http://schemas.microsoft.com/office/drawing/2014/main" id="{DBD10EFB-8952-4D87-9B2F-69ACFA08EA6E}"/>
+              </a:ext>
+            </a:extLst>
+          </p:cNvPr>
+          <p:cNvSpPr>
+            <a:spLocks noGrp="1"/>
+          </p:cNvSpPr>
+          <p:nvPr>
+            <p:ph type="sldNum" sz="quarter" idx="12"/>
+          </p:nvPr>
+        </p:nvSpPr>
+        <p:spPr/>
+        <p:txBody>
+          <a:bodyPr/>
+          <a:lstStyle/>
+          <a:p>
+            <a:fld id="{90867E64-9CDD-4594-817B-3148A41C060D}" type="slidenum">
+              <a:rPr lang="en-US" smtClean="0"/>
+              <a:t>12</a:t>
+            </a:fld>
+            <a:endParaRPr lang="en-US"/>
           </a:p>
         </p:txBody>
       </p:sp>
@@ -4797,7 +5218,7 @@
 </p:sld>
 </file>
 
-<file path=ppt/slides/slide15.xml><?xml version="1.0" encoding="utf-8"?>
+<file path=ppt/slides/slide13.xml><?xml version="1.0" encoding="utf-8"?>
 <p:sld xmlns:a="http://schemas.openxmlformats.org/drawingml/2006/main" xmlns:r="http://schemas.openxmlformats.org/officeDocument/2006/relationships" xmlns:p="http://schemas.openxmlformats.org/presentationml/2006/main">
   <p:cSld>
     <p:spTree>
@@ -4819,6 +5240,157 @@
           <p:cNvPr id="2" name="Title 1">
             <a:extLst>
               <a:ext uri="{FF2B5EF4-FFF2-40B4-BE49-F238E27FC236}">
+                <a16:creationId xmlns:a16="http://schemas.microsoft.com/office/drawing/2014/main" id="{2FB17DAE-FABF-419C-B82C-0058F4E03BB8}"/>
+              </a:ext>
+            </a:extLst>
+          </p:cNvPr>
+          <p:cNvSpPr>
+            <a:spLocks noGrp="1"/>
+          </p:cNvSpPr>
+          <p:nvPr>
+            <p:ph type="title"/>
+          </p:nvPr>
+        </p:nvSpPr>
+        <p:spPr/>
+        <p:txBody>
+          <a:bodyPr/>
+          <a:lstStyle/>
+          <a:p>
+            <a:r>
+              <a:rPr lang="en-US" dirty="0"/>
+              <a:t>Questions?</a:t>
+            </a:r>
+          </a:p>
+        </p:txBody>
+      </p:sp>
+      <p:pic>
+        <p:nvPicPr>
+          <p:cNvPr id="7" name="Content Placeholder 6">
+            <a:extLst>
+              <a:ext uri="{FF2B5EF4-FFF2-40B4-BE49-F238E27FC236}">
+                <a16:creationId xmlns:a16="http://schemas.microsoft.com/office/drawing/2014/main" id="{20BC5E19-B80C-4479-A722-96C3279E6B51}"/>
+              </a:ext>
+            </a:extLst>
+          </p:cNvPr>
+          <p:cNvPicPr>
+            <a:picLocks noGrp="1" noChangeAspect="1"/>
+          </p:cNvPicPr>
+          <p:nvPr>
+            <p:ph idx="1"/>
+          </p:nvPr>
+        </p:nvPicPr>
+        <p:blipFill>
+          <a:blip r:embed="rId2">
+            <a:extLst>
+              <a:ext uri="{28A0092B-C50C-407E-A947-70E740481C1C}">
+                <a14:useLocalDpi xmlns:a14="http://schemas.microsoft.com/office/drawing/2010/main" val="0"/>
+              </a:ext>
+            </a:extLst>
+          </a:blip>
+          <a:stretch>
+            <a:fillRect/>
+          </a:stretch>
+        </p:blipFill>
+        <p:spPr>
+          <a:xfrm>
+            <a:off x="3217250" y="2286000"/>
+            <a:ext cx="5909900" cy="3581400"/>
+          </a:xfrm>
+        </p:spPr>
+      </p:pic>
+      <p:sp>
+        <p:nvSpPr>
+          <p:cNvPr id="4" name="Date Placeholder 3">
+            <a:extLst>
+              <a:ext uri="{FF2B5EF4-FFF2-40B4-BE49-F238E27FC236}">
+                <a16:creationId xmlns:a16="http://schemas.microsoft.com/office/drawing/2014/main" id="{0E78FE99-E07C-4253-AA9B-9941FB6D7D25}"/>
+              </a:ext>
+            </a:extLst>
+          </p:cNvPr>
+          <p:cNvSpPr>
+            <a:spLocks noGrp="1"/>
+          </p:cNvSpPr>
+          <p:nvPr>
+            <p:ph type="dt" sz="half" idx="10"/>
+          </p:nvPr>
+        </p:nvSpPr>
+        <p:spPr/>
+        <p:txBody>
+          <a:bodyPr/>
+          <a:lstStyle/>
+          <a:p>
+            <a:fld id="{D0284EF8-1665-44D6-8A36-E0444690E539}" type="datetime1">
+              <a:rPr lang="en-US" smtClean="0"/>
+              <a:t>10/5/2021</a:t>
+            </a:fld>
+            <a:endParaRPr lang="en-US"/>
+          </a:p>
+        </p:txBody>
+      </p:sp>
+      <p:sp>
+        <p:nvSpPr>
+          <p:cNvPr id="5" name="Slide Number Placeholder 4">
+            <a:extLst>
+              <a:ext uri="{FF2B5EF4-FFF2-40B4-BE49-F238E27FC236}">
+                <a16:creationId xmlns:a16="http://schemas.microsoft.com/office/drawing/2014/main" id="{F396B757-E52A-4B22-AEC9-5AE8C89B06A8}"/>
+              </a:ext>
+            </a:extLst>
+          </p:cNvPr>
+          <p:cNvSpPr>
+            <a:spLocks noGrp="1"/>
+          </p:cNvSpPr>
+          <p:nvPr>
+            <p:ph type="sldNum" sz="quarter" idx="12"/>
+          </p:nvPr>
+        </p:nvSpPr>
+        <p:spPr/>
+        <p:txBody>
+          <a:bodyPr/>
+          <a:lstStyle/>
+          <a:p>
+            <a:fld id="{90867E64-9CDD-4594-817B-3148A41C060D}" type="slidenum">
+              <a:rPr lang="en-US" smtClean="0"/>
+              <a:t>13</a:t>
+            </a:fld>
+            <a:endParaRPr lang="en-US"/>
+          </a:p>
+        </p:txBody>
+      </p:sp>
+    </p:spTree>
+    <p:extLst>
+      <p:ext uri="{BB962C8B-B14F-4D97-AF65-F5344CB8AC3E}">
+        <p14:creationId xmlns:p14="http://schemas.microsoft.com/office/powerpoint/2010/main" val="2733811369"/>
+      </p:ext>
+    </p:extLst>
+  </p:cSld>
+  <p:clrMapOvr>
+    <a:masterClrMapping/>
+  </p:clrMapOvr>
+</p:sld>
+</file>
+
+<file path=ppt/slides/slide14.xml><?xml version="1.0" encoding="utf-8"?>
+<p:sld xmlns:a="http://schemas.openxmlformats.org/drawingml/2006/main" xmlns:r="http://schemas.openxmlformats.org/officeDocument/2006/relationships" xmlns:p="http://schemas.openxmlformats.org/presentationml/2006/main">
+  <p:cSld>
+    <p:spTree>
+      <p:nvGrpSpPr>
+        <p:cNvPr id="1" name=""/>
+        <p:cNvGrpSpPr/>
+        <p:nvPr/>
+      </p:nvGrpSpPr>
+      <p:grpSpPr>
+        <a:xfrm>
+          <a:off x="0" y="0"/>
+          <a:ext cx="0" cy="0"/>
+          <a:chOff x="0" y="0"/>
+          <a:chExt cx="0" cy="0"/>
+        </a:xfrm>
+      </p:grpSpPr>
+      <p:sp>
+        <p:nvSpPr>
+          <p:cNvPr id="2" name="Title 1">
+            <a:extLst>
+              <a:ext uri="{FF2B5EF4-FFF2-40B4-BE49-F238E27FC236}">
                 <a16:creationId xmlns:a16="http://schemas.microsoft.com/office/drawing/2014/main" id="{ADCAF226-35DF-4C95-BBD1-DEECDF37EDC1}"/>
               </a:ext>
             </a:extLst>
@@ -4890,6 +5462,64 @@
               </a:rPr>
               <a:t>https://www.freeprojectz.com/dfd/online-shopping-system-dataflow-diagramhttps://www.slideshare.net/iammridul/stock-market-prediction-49058866?from_action=save</a:t>
             </a:r>
+          </a:p>
+        </p:txBody>
+      </p:sp>
+      <p:sp>
+        <p:nvSpPr>
+          <p:cNvPr id="4" name="Date Placeholder 3">
+            <a:extLst>
+              <a:ext uri="{FF2B5EF4-FFF2-40B4-BE49-F238E27FC236}">
+                <a16:creationId xmlns:a16="http://schemas.microsoft.com/office/drawing/2014/main" id="{2B50F076-22C6-4804-846E-C16D46A19EDA}"/>
+              </a:ext>
+            </a:extLst>
+          </p:cNvPr>
+          <p:cNvSpPr>
+            <a:spLocks noGrp="1"/>
+          </p:cNvSpPr>
+          <p:nvPr>
+            <p:ph type="dt" sz="half" idx="10"/>
+          </p:nvPr>
+        </p:nvSpPr>
+        <p:spPr/>
+        <p:txBody>
+          <a:bodyPr/>
+          <a:lstStyle/>
+          <a:p>
+            <a:fld id="{65D0DB0A-8483-4748-BBEA-3D4B75B4836B}" type="datetime1">
+              <a:rPr lang="en-US" smtClean="0"/>
+              <a:t>10/5/2021</a:t>
+            </a:fld>
+            <a:endParaRPr lang="en-US"/>
+          </a:p>
+        </p:txBody>
+      </p:sp>
+      <p:sp>
+        <p:nvSpPr>
+          <p:cNvPr id="5" name="Slide Number Placeholder 4">
+            <a:extLst>
+              <a:ext uri="{FF2B5EF4-FFF2-40B4-BE49-F238E27FC236}">
+                <a16:creationId xmlns:a16="http://schemas.microsoft.com/office/drawing/2014/main" id="{F40072E4-2CB9-4C38-91F3-18A16EC50A60}"/>
+              </a:ext>
+            </a:extLst>
+          </p:cNvPr>
+          <p:cNvSpPr>
+            <a:spLocks noGrp="1"/>
+          </p:cNvSpPr>
+          <p:nvPr>
+            <p:ph type="sldNum" sz="quarter" idx="12"/>
+          </p:nvPr>
+        </p:nvSpPr>
+        <p:spPr/>
+        <p:txBody>
+          <a:bodyPr/>
+          <a:lstStyle/>
+          <a:p>
+            <a:fld id="{90867E64-9CDD-4594-817B-3148A41C060D}" type="slidenum">
+              <a:rPr lang="en-US" smtClean="0"/>
+              <a:t>14</a:t>
+            </a:fld>
+            <a:endParaRPr lang="en-US"/>
           </a:p>
         </p:txBody>
       </p:sp>
@@ -5087,6 +5717,64 @@
           </a:prstGeom>
         </p:spPr>
       </p:pic>
+      <p:sp>
+        <p:nvSpPr>
+          <p:cNvPr id="4" name="Date Placeholder 3">
+            <a:extLst>
+              <a:ext uri="{FF2B5EF4-FFF2-40B4-BE49-F238E27FC236}">
+                <a16:creationId xmlns:a16="http://schemas.microsoft.com/office/drawing/2014/main" id="{C6412715-7327-46E9-B2F8-8272A59754D5}"/>
+              </a:ext>
+            </a:extLst>
+          </p:cNvPr>
+          <p:cNvSpPr>
+            <a:spLocks noGrp="1"/>
+          </p:cNvSpPr>
+          <p:nvPr>
+            <p:ph type="dt" sz="half" idx="10"/>
+          </p:nvPr>
+        </p:nvSpPr>
+        <p:spPr/>
+        <p:txBody>
+          <a:bodyPr/>
+          <a:lstStyle/>
+          <a:p>
+            <a:fld id="{ACAF5B97-546D-49AA-8ADE-CF40E585428C}" type="datetime1">
+              <a:rPr lang="en-US" smtClean="0"/>
+              <a:t>10/5/2021</a:t>
+            </a:fld>
+            <a:endParaRPr lang="en-US"/>
+          </a:p>
+        </p:txBody>
+      </p:sp>
+      <p:sp>
+        <p:nvSpPr>
+          <p:cNvPr id="7" name="Slide Number Placeholder 6">
+            <a:extLst>
+              <a:ext uri="{FF2B5EF4-FFF2-40B4-BE49-F238E27FC236}">
+                <a16:creationId xmlns:a16="http://schemas.microsoft.com/office/drawing/2014/main" id="{185AEF7C-CCDD-4D06-834E-A91A80CF5E59}"/>
+              </a:ext>
+            </a:extLst>
+          </p:cNvPr>
+          <p:cNvSpPr>
+            <a:spLocks noGrp="1"/>
+          </p:cNvSpPr>
+          <p:nvPr>
+            <p:ph type="sldNum" sz="quarter" idx="12"/>
+          </p:nvPr>
+        </p:nvSpPr>
+        <p:spPr/>
+        <p:txBody>
+          <a:bodyPr/>
+          <a:lstStyle/>
+          <a:p>
+            <a:fld id="{90867E64-9CDD-4594-817B-3148A41C060D}" type="slidenum">
+              <a:rPr lang="en-US" smtClean="0"/>
+              <a:t>2</a:t>
+            </a:fld>
+            <a:endParaRPr lang="en-US"/>
+          </a:p>
+        </p:txBody>
+      </p:sp>
     </p:spTree>
     <p:extLst>
       <p:ext uri="{BB962C8B-B14F-4D97-AF65-F5344CB8AC3E}">
@@ -5153,6 +5841,64 @@
           </a:prstGeom>
         </p:spPr>
       </p:pic>
+      <p:sp>
+        <p:nvSpPr>
+          <p:cNvPr id="2" name="Date Placeholder 1">
+            <a:extLst>
+              <a:ext uri="{FF2B5EF4-FFF2-40B4-BE49-F238E27FC236}">
+                <a16:creationId xmlns:a16="http://schemas.microsoft.com/office/drawing/2014/main" id="{9C1CD308-17DF-4798-A306-ABFA9326D6EF}"/>
+              </a:ext>
+            </a:extLst>
+          </p:cNvPr>
+          <p:cNvSpPr>
+            <a:spLocks noGrp="1"/>
+          </p:cNvSpPr>
+          <p:nvPr>
+            <p:ph type="dt" sz="half" idx="10"/>
+          </p:nvPr>
+        </p:nvSpPr>
+        <p:spPr/>
+        <p:txBody>
+          <a:bodyPr/>
+          <a:lstStyle/>
+          <a:p>
+            <a:fld id="{EC9D08C0-DA30-4837-B113-0A3ADBEF8D88}" type="datetime1">
+              <a:rPr lang="en-US" smtClean="0"/>
+              <a:t>10/5/2021</a:t>
+            </a:fld>
+            <a:endParaRPr lang="en-US"/>
+          </a:p>
+        </p:txBody>
+      </p:sp>
+      <p:sp>
+        <p:nvSpPr>
+          <p:cNvPr id="3" name="Slide Number Placeholder 2">
+            <a:extLst>
+              <a:ext uri="{FF2B5EF4-FFF2-40B4-BE49-F238E27FC236}">
+                <a16:creationId xmlns:a16="http://schemas.microsoft.com/office/drawing/2014/main" id="{C1EDBD33-FEE8-4F34-BCD7-BE2877512B14}"/>
+              </a:ext>
+            </a:extLst>
+          </p:cNvPr>
+          <p:cNvSpPr>
+            <a:spLocks noGrp="1"/>
+          </p:cNvSpPr>
+          <p:nvPr>
+            <p:ph type="sldNum" sz="quarter" idx="12"/>
+          </p:nvPr>
+        </p:nvSpPr>
+        <p:spPr/>
+        <p:txBody>
+          <a:bodyPr/>
+          <a:lstStyle/>
+          <a:p>
+            <a:fld id="{90867E64-9CDD-4594-817B-3148A41C060D}" type="slidenum">
+              <a:rPr lang="en-US" smtClean="0"/>
+              <a:t>3</a:t>
+            </a:fld>
+            <a:endParaRPr lang="en-US"/>
+          </a:p>
+        </p:txBody>
+      </p:sp>
     </p:spTree>
     <p:extLst>
       <p:ext uri="{BB962C8B-B14F-4D97-AF65-F5344CB8AC3E}">
@@ -5235,7 +5981,12 @@
             <p:ph idx="1"/>
           </p:nvPr>
         </p:nvSpPr>
-        <p:spPr/>
+        <p:spPr>
+          <a:xfrm>
+            <a:off x="1119809" y="1825625"/>
+            <a:ext cx="9601200" cy="3581400"/>
+          </a:xfrm>
+        </p:spPr>
         <p:txBody>
           <a:bodyPr>
             <a:normAutofit/>
@@ -5360,6 +6111,64 @@
           </a:extLst>
         </p:spPr>
       </p:pic>
+      <p:sp>
+        <p:nvSpPr>
+          <p:cNvPr id="4" name="Date Placeholder 3">
+            <a:extLst>
+              <a:ext uri="{FF2B5EF4-FFF2-40B4-BE49-F238E27FC236}">
+                <a16:creationId xmlns:a16="http://schemas.microsoft.com/office/drawing/2014/main" id="{E121F6D4-FA23-4268-A6AC-A64BAE66FCF2}"/>
+              </a:ext>
+            </a:extLst>
+          </p:cNvPr>
+          <p:cNvSpPr>
+            <a:spLocks noGrp="1"/>
+          </p:cNvSpPr>
+          <p:nvPr>
+            <p:ph type="dt" sz="half" idx="10"/>
+          </p:nvPr>
+        </p:nvSpPr>
+        <p:spPr/>
+        <p:txBody>
+          <a:bodyPr/>
+          <a:lstStyle/>
+          <a:p>
+            <a:fld id="{A90D491F-E110-488F-BE02-66E4F5AF85BD}" type="datetime1">
+              <a:rPr lang="en-US" smtClean="0"/>
+              <a:t>10/5/2021</a:t>
+            </a:fld>
+            <a:endParaRPr lang="en-US"/>
+          </a:p>
+        </p:txBody>
+      </p:sp>
+      <p:sp>
+        <p:nvSpPr>
+          <p:cNvPr id="5" name="Slide Number Placeholder 4">
+            <a:extLst>
+              <a:ext uri="{FF2B5EF4-FFF2-40B4-BE49-F238E27FC236}">
+                <a16:creationId xmlns:a16="http://schemas.microsoft.com/office/drawing/2014/main" id="{E4AB539A-095B-4EBB-BC36-E0EBF584EB25}"/>
+              </a:ext>
+            </a:extLst>
+          </p:cNvPr>
+          <p:cNvSpPr>
+            <a:spLocks noGrp="1"/>
+          </p:cNvSpPr>
+          <p:nvPr>
+            <p:ph type="sldNum" sz="quarter" idx="12"/>
+          </p:nvPr>
+        </p:nvSpPr>
+        <p:spPr/>
+        <p:txBody>
+          <a:bodyPr/>
+          <a:lstStyle/>
+          <a:p>
+            <a:fld id="{90867E64-9CDD-4594-817B-3148A41C060D}" type="slidenum">
+              <a:rPr lang="en-US" smtClean="0"/>
+              <a:t>4</a:t>
+            </a:fld>
+            <a:endParaRPr lang="en-US"/>
+          </a:p>
+        </p:txBody>
+      </p:sp>
     </p:spTree>
     <p:extLst>
       <p:ext uri="{BB962C8B-B14F-4D97-AF65-F5344CB8AC3E}">
@@ -5565,6 +6374,64 @@
           </a:extLst>
         </p:spPr>
       </p:pic>
+      <p:sp>
+        <p:nvSpPr>
+          <p:cNvPr id="4" name="Date Placeholder 3">
+            <a:extLst>
+              <a:ext uri="{FF2B5EF4-FFF2-40B4-BE49-F238E27FC236}">
+                <a16:creationId xmlns:a16="http://schemas.microsoft.com/office/drawing/2014/main" id="{26764204-8520-4BB7-9F54-108BE551B542}"/>
+              </a:ext>
+            </a:extLst>
+          </p:cNvPr>
+          <p:cNvSpPr>
+            <a:spLocks noGrp="1"/>
+          </p:cNvSpPr>
+          <p:nvPr>
+            <p:ph type="dt" sz="half" idx="10"/>
+          </p:nvPr>
+        </p:nvSpPr>
+        <p:spPr/>
+        <p:txBody>
+          <a:bodyPr/>
+          <a:lstStyle/>
+          <a:p>
+            <a:fld id="{28BFA44B-837C-4DF4-AEFE-225D444FC9DD}" type="datetime1">
+              <a:rPr lang="en-US" smtClean="0"/>
+              <a:t>10/5/2021</a:t>
+            </a:fld>
+            <a:endParaRPr lang="en-US"/>
+          </a:p>
+        </p:txBody>
+      </p:sp>
+      <p:sp>
+        <p:nvSpPr>
+          <p:cNvPr id="5" name="Slide Number Placeholder 4">
+            <a:extLst>
+              <a:ext uri="{FF2B5EF4-FFF2-40B4-BE49-F238E27FC236}">
+                <a16:creationId xmlns:a16="http://schemas.microsoft.com/office/drawing/2014/main" id="{6D62ABD5-354D-4595-AF60-73692B44F1B6}"/>
+              </a:ext>
+            </a:extLst>
+          </p:cNvPr>
+          <p:cNvSpPr>
+            <a:spLocks noGrp="1"/>
+          </p:cNvSpPr>
+          <p:nvPr>
+            <p:ph type="sldNum" sz="quarter" idx="12"/>
+          </p:nvPr>
+        </p:nvSpPr>
+        <p:spPr/>
+        <p:txBody>
+          <a:bodyPr/>
+          <a:lstStyle/>
+          <a:p>
+            <a:fld id="{90867E64-9CDD-4594-817B-3148A41C060D}" type="slidenum">
+              <a:rPr lang="en-US" smtClean="0"/>
+              <a:t>5</a:t>
+            </a:fld>
+            <a:endParaRPr lang="en-US"/>
+          </a:p>
+        </p:txBody>
+      </p:sp>
     </p:spTree>
     <p:extLst>
       <p:ext uri="{BB962C8B-B14F-4D97-AF65-F5344CB8AC3E}">
@@ -5709,6 +6576,16 @@
             <a:r>
               <a:rPr lang="en-US" dirty="0"/>
               <a:t>BOOTSTRAP</a:t>
+            </a:r>
+          </a:p>
+          <a:p>
+            <a:pPr>
+              <a:buFont typeface="Wingdings" panose="05000000000000000000" pitchFamily="2" charset="2"/>
+              <a:buChar char="§"/>
+            </a:pPr>
+            <a:r>
+              <a:rPr lang="en-US" dirty="0"/>
+              <a:t>PostgreSQL</a:t>
             </a:r>
           </a:p>
         </p:txBody>
@@ -5765,6 +6642,64 @@
           </a:extLst>
         </p:spPr>
       </p:pic>
+      <p:sp>
+        <p:nvSpPr>
+          <p:cNvPr id="4" name="Date Placeholder 3">
+            <a:extLst>
+              <a:ext uri="{FF2B5EF4-FFF2-40B4-BE49-F238E27FC236}">
+                <a16:creationId xmlns:a16="http://schemas.microsoft.com/office/drawing/2014/main" id="{3AF7B235-6848-4AAA-893F-038FA631D9D7}"/>
+              </a:ext>
+            </a:extLst>
+          </p:cNvPr>
+          <p:cNvSpPr>
+            <a:spLocks noGrp="1"/>
+          </p:cNvSpPr>
+          <p:nvPr>
+            <p:ph type="dt" sz="half" idx="10"/>
+          </p:nvPr>
+        </p:nvSpPr>
+        <p:spPr/>
+        <p:txBody>
+          <a:bodyPr/>
+          <a:lstStyle/>
+          <a:p>
+            <a:fld id="{B26C4701-8AD4-4A5E-B20F-6A5D1555EA0A}" type="datetime1">
+              <a:rPr lang="en-US" smtClean="0"/>
+              <a:t>10/5/2021</a:t>
+            </a:fld>
+            <a:endParaRPr lang="en-US"/>
+          </a:p>
+        </p:txBody>
+      </p:sp>
+      <p:sp>
+        <p:nvSpPr>
+          <p:cNvPr id="5" name="Slide Number Placeholder 4">
+            <a:extLst>
+              <a:ext uri="{FF2B5EF4-FFF2-40B4-BE49-F238E27FC236}">
+                <a16:creationId xmlns:a16="http://schemas.microsoft.com/office/drawing/2014/main" id="{157C3C15-77FF-40DB-88B0-5E53CA9A985F}"/>
+              </a:ext>
+            </a:extLst>
+          </p:cNvPr>
+          <p:cNvSpPr>
+            <a:spLocks noGrp="1"/>
+          </p:cNvSpPr>
+          <p:nvPr>
+            <p:ph type="sldNum" sz="quarter" idx="12"/>
+          </p:nvPr>
+        </p:nvSpPr>
+        <p:spPr/>
+        <p:txBody>
+          <a:bodyPr/>
+          <a:lstStyle/>
+          <a:p>
+            <a:fld id="{90867E64-9CDD-4594-817B-3148A41C060D}" type="slidenum">
+              <a:rPr lang="en-US" smtClean="0"/>
+              <a:t>6</a:t>
+            </a:fld>
+            <a:endParaRPr lang="en-US"/>
+          </a:p>
+        </p:txBody>
+      </p:sp>
     </p:spTree>
     <p:extLst>
       <p:ext uri="{BB962C8B-B14F-4D97-AF65-F5344CB8AC3E}">
@@ -5976,6 +6911,64 @@
           </a:p>
         </p:txBody>
       </p:sp>
+      <p:sp>
+        <p:nvSpPr>
+          <p:cNvPr id="4" name="Date Placeholder 3">
+            <a:extLst>
+              <a:ext uri="{FF2B5EF4-FFF2-40B4-BE49-F238E27FC236}">
+                <a16:creationId xmlns:a16="http://schemas.microsoft.com/office/drawing/2014/main" id="{2F8E7750-B4DB-45B8-A286-F15FD418CF19}"/>
+              </a:ext>
+            </a:extLst>
+          </p:cNvPr>
+          <p:cNvSpPr>
+            <a:spLocks noGrp="1"/>
+          </p:cNvSpPr>
+          <p:nvPr>
+            <p:ph type="dt" sz="half" idx="10"/>
+          </p:nvPr>
+        </p:nvSpPr>
+        <p:spPr/>
+        <p:txBody>
+          <a:bodyPr/>
+          <a:lstStyle/>
+          <a:p>
+            <a:fld id="{33DC524E-AFC1-4710-B9FB-D1B628BA2A73}" type="datetime1">
+              <a:rPr lang="en-US" smtClean="0"/>
+              <a:t>10/5/2021</a:t>
+            </a:fld>
+            <a:endParaRPr lang="en-US"/>
+          </a:p>
+        </p:txBody>
+      </p:sp>
+      <p:sp>
+        <p:nvSpPr>
+          <p:cNvPr id="5" name="Slide Number Placeholder 4">
+            <a:extLst>
+              <a:ext uri="{FF2B5EF4-FFF2-40B4-BE49-F238E27FC236}">
+                <a16:creationId xmlns:a16="http://schemas.microsoft.com/office/drawing/2014/main" id="{278F284C-F809-42C5-BAC9-5EB4C3818068}"/>
+              </a:ext>
+            </a:extLst>
+          </p:cNvPr>
+          <p:cNvSpPr>
+            <a:spLocks noGrp="1"/>
+          </p:cNvSpPr>
+          <p:nvPr>
+            <p:ph type="sldNum" sz="quarter" idx="12"/>
+          </p:nvPr>
+        </p:nvSpPr>
+        <p:spPr/>
+        <p:txBody>
+          <a:bodyPr/>
+          <a:lstStyle/>
+          <a:p>
+            <a:fld id="{90867E64-9CDD-4594-817B-3148A41C060D}" type="slidenum">
+              <a:rPr lang="en-US" smtClean="0"/>
+              <a:t>7</a:t>
+            </a:fld>
+            <a:endParaRPr lang="en-US"/>
+          </a:p>
+        </p:txBody>
+      </p:sp>
     </p:spTree>
     <p:extLst>
       <p:ext uri="{BB962C8B-B14F-4D97-AF65-F5344CB8AC3E}">
@@ -6006,19 +6999,57 @@
           <a:chExt cx="0" cy="0"/>
         </a:xfrm>
       </p:grpSpPr>
+      <p:sp>
+        <p:nvSpPr>
+          <p:cNvPr id="2" name="Title 1">
+            <a:extLst>
+              <a:ext uri="{FF2B5EF4-FFF2-40B4-BE49-F238E27FC236}">
+                <a16:creationId xmlns:a16="http://schemas.microsoft.com/office/drawing/2014/main" id="{1266A6C8-818C-44CF-B490-A691A826CE0A}"/>
+              </a:ext>
+            </a:extLst>
+          </p:cNvPr>
+          <p:cNvSpPr>
+            <a:spLocks noGrp="1"/>
+          </p:cNvSpPr>
+          <p:nvPr>
+            <p:ph type="title"/>
+          </p:nvPr>
+        </p:nvSpPr>
+        <p:spPr>
+          <a:xfrm>
+            <a:off x="838200" y="0"/>
+            <a:ext cx="10515600" cy="734805"/>
+          </a:xfrm>
+        </p:spPr>
+        <p:txBody>
+          <a:bodyPr/>
+          <a:lstStyle/>
+          <a:p>
+            <a:r>
+              <a:rPr lang="en-US" dirty="0">
+                <a:latin typeface="Times New Roman" panose="02020603050405020304" pitchFamily="18" charset="0"/>
+                <a:cs typeface="Times New Roman" panose="02020603050405020304" pitchFamily="18" charset="0"/>
+              </a:rPr>
+              <a:t>Use Case Diagram</a:t>
+            </a:r>
+          </a:p>
+        </p:txBody>
+      </p:sp>
       <p:pic>
         <p:nvPicPr>
-          <p:cNvPr id="5" name="Picture 4">
+          <p:cNvPr id="4" name="Content Placeholder 3">
             <a:extLst>
               <a:ext uri="{FF2B5EF4-FFF2-40B4-BE49-F238E27FC236}">
-                <a16:creationId xmlns:a16="http://schemas.microsoft.com/office/drawing/2014/main" id="{D8551227-E684-40FF-8063-EA6581457F0C}"/>
+                <a16:creationId xmlns:a16="http://schemas.microsoft.com/office/drawing/2014/main" id="{C249B5CA-1C71-4165-A71D-10A5306D8B16}"/>
               </a:ext>
             </a:extLst>
           </p:cNvPr>
           <p:cNvPicPr>
-            <a:picLocks noChangeAspect="1"/>
+            <a:picLocks noGrp="1" noChangeAspect="1"/>
           </p:cNvPicPr>
-          <p:nvPr/>
+          <p:nvPr>
+            <p:ph idx="1"/>
+          </p:nvPr>
         </p:nvPicPr>
         <p:blipFill>
           <a:blip r:embed="rId2">
@@ -6034,26 +7065,17 @@
         </p:blipFill>
         <p:spPr>
           <a:xfrm>
-            <a:off x="7593494" y="2549122"/>
-            <a:ext cx="2385391" cy="1759756"/>
+            <a:off x="1707502" y="734805"/>
+            <a:ext cx="9227976" cy="5656664"/>
           </a:xfrm>
-          <a:prstGeom prst="rect">
-            <a:avLst/>
-          </a:prstGeom>
-          <a:ln>
-            <a:noFill/>
-          </a:ln>
-          <a:effectLst>
-            <a:softEdge rad="112500"/>
-          </a:effectLst>
         </p:spPr>
       </p:pic>
       <p:sp>
         <p:nvSpPr>
-          <p:cNvPr id="2" name="Title 1">
+          <p:cNvPr id="3" name="Date Placeholder 2">
             <a:extLst>
               <a:ext uri="{FF2B5EF4-FFF2-40B4-BE49-F238E27FC236}">
-                <a16:creationId xmlns:a16="http://schemas.microsoft.com/office/drawing/2014/main" id="{466BB6DC-F87E-469F-B503-8E86215C14C8}"/>
+                <a16:creationId xmlns:a16="http://schemas.microsoft.com/office/drawing/2014/main" id="{51E4813F-3FB9-4761-AA48-839A5E2EEF66}"/>
               </a:ext>
             </a:extLst>
           </p:cNvPr>
@@ -6061,7 +7083,7 @@
             <a:spLocks noGrp="1"/>
           </p:cNvSpPr>
           <p:nvPr>
-            <p:ph type="title"/>
+            <p:ph type="dt" sz="half" idx="10"/>
           </p:nvPr>
         </p:nvSpPr>
         <p:spPr/>
@@ -6069,22 +7091,20 @@
           <a:bodyPr/>
           <a:lstStyle/>
           <a:p>
-            <a:r>
-              <a:rPr lang="en-US" dirty="0">
-                <a:latin typeface="Times New Roman" panose="02020603050405020304" pitchFamily="18" charset="0"/>
-                <a:cs typeface="Times New Roman" panose="02020603050405020304" pitchFamily="18" charset="0"/>
-              </a:rPr>
-              <a:t>DATASET</a:t>
-            </a:r>
-          </a:p>
-        </p:txBody>
-      </p:sp>
-      <p:sp>
-        <p:nvSpPr>
-          <p:cNvPr id="3" name="Content Placeholder 2">
+            <a:fld id="{6346F154-125D-4759-969E-114BC8BF17C1}" type="datetime1">
+              <a:rPr lang="en-US" smtClean="0"/>
+              <a:t>10/5/2021</a:t>
+            </a:fld>
+            <a:endParaRPr lang="en-US"/>
+          </a:p>
+        </p:txBody>
+      </p:sp>
+      <p:sp>
+        <p:nvSpPr>
+          <p:cNvPr id="5" name="Slide Number Placeholder 4">
             <a:extLst>
               <a:ext uri="{FF2B5EF4-FFF2-40B4-BE49-F238E27FC236}">
-                <a16:creationId xmlns:a16="http://schemas.microsoft.com/office/drawing/2014/main" id="{0212DC1F-7B5E-43C7-A887-DF3E5CA45BAE}"/>
+                <a16:creationId xmlns:a16="http://schemas.microsoft.com/office/drawing/2014/main" id="{936FCAFA-16CF-4B74-AA4B-2AA68CF4666C}"/>
               </a:ext>
             </a:extLst>
           </p:cNvPr>
@@ -6092,7 +7112,7 @@
             <a:spLocks noGrp="1"/>
           </p:cNvSpPr>
           <p:nvPr>
-            <p:ph idx="1"/>
+            <p:ph type="sldNum" sz="quarter" idx="12"/>
           </p:nvPr>
         </p:nvSpPr>
         <p:spPr/>
@@ -6100,63 +7120,18 @@
           <a:bodyPr/>
           <a:lstStyle/>
           <a:p>
-            <a:pPr>
-              <a:buFont typeface="Wingdings" panose="05000000000000000000" pitchFamily="2" charset="2"/>
-              <a:buChar char="Ø"/>
-            </a:pPr>
-            <a:r>
-              <a:rPr lang="en-US" dirty="0">
-                <a:latin typeface="Times New Roman" panose="02020603050405020304" pitchFamily="18" charset="0"/>
-                <a:cs typeface="Times New Roman" panose="02020603050405020304" pitchFamily="18" charset="0"/>
-              </a:rPr>
-              <a:t> Google Images</a:t>
-            </a:r>
-          </a:p>
-          <a:p>
-            <a:pPr>
-              <a:buFont typeface="Wingdings" panose="05000000000000000000" pitchFamily="2" charset="2"/>
-              <a:buChar char="Ø"/>
-            </a:pPr>
-            <a:r>
-              <a:rPr lang="en-US" dirty="0">
-                <a:latin typeface="Times New Roman" panose="02020603050405020304" pitchFamily="18" charset="0"/>
-                <a:cs typeface="Times New Roman" panose="02020603050405020304" pitchFamily="18" charset="0"/>
-              </a:rPr>
-              <a:t> Self captured images</a:t>
-            </a:r>
-          </a:p>
-          <a:p>
-            <a:pPr>
-              <a:buFont typeface="Wingdings" panose="05000000000000000000" pitchFamily="2" charset="2"/>
-              <a:buChar char="Ø"/>
-            </a:pPr>
-            <a:r>
-              <a:rPr lang="en-US" dirty="0">
-                <a:latin typeface="Times New Roman" panose="02020603050405020304" pitchFamily="18" charset="0"/>
-                <a:cs typeface="Times New Roman" panose="02020603050405020304" pitchFamily="18" charset="0"/>
-              </a:rPr>
-              <a:t> Self description</a:t>
-            </a:r>
-          </a:p>
-          <a:p>
-            <a:pPr>
-              <a:buFont typeface="Wingdings" panose="05000000000000000000" pitchFamily="2" charset="2"/>
-              <a:buChar char="Ø"/>
-            </a:pPr>
-            <a:r>
-              <a:rPr lang="en-US" dirty="0">
-                <a:latin typeface="Times New Roman" panose="02020603050405020304" pitchFamily="18" charset="0"/>
-                <a:cs typeface="Times New Roman" panose="02020603050405020304" pitchFamily="18" charset="0"/>
-              </a:rPr>
-              <a:t>Amazon description</a:t>
-            </a:r>
+            <a:fld id="{90867E64-9CDD-4594-817B-3148A41C060D}" type="slidenum">
+              <a:rPr lang="en-US" smtClean="0"/>
+              <a:t>8</a:t>
+            </a:fld>
+            <a:endParaRPr lang="en-US"/>
           </a:p>
         </p:txBody>
       </p:sp>
     </p:spTree>
     <p:extLst>
       <p:ext uri="{BB962C8B-B14F-4D97-AF65-F5344CB8AC3E}">
-        <p14:creationId xmlns:p14="http://schemas.microsoft.com/office/powerpoint/2010/main" val="2666538346"/>
+        <p14:creationId xmlns:p14="http://schemas.microsoft.com/office/powerpoint/2010/main" val="3574736758"/>
       </p:ext>
     </p:extLst>
   </p:cSld>
@@ -6188,7 +7163,7 @@
           <p:cNvPr id="2" name="Title 1">
             <a:extLst>
               <a:ext uri="{FF2B5EF4-FFF2-40B4-BE49-F238E27FC236}">
-                <a16:creationId xmlns:a16="http://schemas.microsoft.com/office/drawing/2014/main" id="{1F8549A4-5914-4CFD-934C-31296F7F7266}"/>
+                <a16:creationId xmlns:a16="http://schemas.microsoft.com/office/drawing/2014/main" id="{2E9B01BC-CD77-434E-B83B-423FA3BECF04}"/>
               </a:ext>
             </a:extLst>
           </p:cNvPr>
@@ -6201,8 +7176,8 @@
         </p:nvSpPr>
         <p:spPr>
           <a:xfrm>
-            <a:off x="1371600" y="685800"/>
-            <a:ext cx="9601200" cy="1376265"/>
+            <a:off x="838200" y="365125"/>
+            <a:ext cx="10515600" cy="1304649"/>
           </a:xfrm>
         </p:spPr>
         <p:txBody>
@@ -6210,26 +7185,69 @@
           <a:lstStyle/>
           <a:p>
             <a:r>
-              <a:rPr lang="en-US" dirty="0"/>
-              <a:t>Analysis</a:t>
-            </a:r>
-          </a:p>
-        </p:txBody>
-      </p:sp>
-      <p:sp>
-        <p:nvSpPr>
-          <p:cNvPr id="3" name="Content Placeholder 2">
+              <a:rPr lang="en-US" dirty="0">
+                <a:latin typeface="Times New Roman" panose="02020603050405020304" pitchFamily="18" charset="0"/>
+                <a:cs typeface="Times New Roman" panose="02020603050405020304" pitchFamily="18" charset="0"/>
+              </a:rPr>
+              <a:t>Data Flow Diagram</a:t>
+            </a:r>
+            <a:br>
+              <a:rPr lang="en-US" dirty="0">
+                <a:latin typeface="Times New Roman" panose="02020603050405020304" pitchFamily="18" charset="0"/>
+                <a:cs typeface="Times New Roman" panose="02020603050405020304" pitchFamily="18" charset="0"/>
+              </a:rPr>
+            </a:br>
+            <a:endParaRPr lang="en-US" dirty="0">
+              <a:latin typeface="Times New Roman" panose="02020603050405020304" pitchFamily="18" charset="0"/>
+              <a:cs typeface="Times New Roman" panose="02020603050405020304" pitchFamily="18" charset="0"/>
+            </a:endParaRPr>
+          </a:p>
+        </p:txBody>
+      </p:sp>
+      <p:pic>
+        <p:nvPicPr>
+          <p:cNvPr id="5" name="Picture 4">
             <a:extLst>
               <a:ext uri="{FF2B5EF4-FFF2-40B4-BE49-F238E27FC236}">
-                <a16:creationId xmlns:a16="http://schemas.microsoft.com/office/drawing/2014/main" id="{2E028923-5205-4E0B-9672-DEBE5F831007}"/>
+                <a16:creationId xmlns:a16="http://schemas.microsoft.com/office/drawing/2014/main" id="{9E0B3754-8325-4453-A626-3A9F120FD33A}"/>
               </a:ext>
             </a:extLst>
           </p:cNvPr>
-          <p:cNvSpPr>
-            <a:spLocks noGrp="1"/>
-          </p:cNvSpPr>
-          <p:nvPr>
-            <p:ph idx="1"/>
+          <p:cNvPicPr>
+            <a:picLocks noChangeAspect="1"/>
+          </p:cNvPicPr>
+          <p:nvPr/>
+        </p:nvPicPr>
+        <p:blipFill>
+          <a:blip r:embed="rId2"/>
+          <a:stretch>
+            <a:fillRect/>
+          </a:stretch>
+        </p:blipFill>
+        <p:spPr>
+          <a:xfrm>
+            <a:off x="1785937" y="1114425"/>
+            <a:ext cx="8620125" cy="4629150"/>
+          </a:xfrm>
+          <a:prstGeom prst="rect">
+            <a:avLst/>
+          </a:prstGeom>
+        </p:spPr>
+      </p:pic>
+      <p:sp>
+        <p:nvSpPr>
+          <p:cNvPr id="3" name="Date Placeholder 2">
+            <a:extLst>
+              <a:ext uri="{FF2B5EF4-FFF2-40B4-BE49-F238E27FC236}">
+                <a16:creationId xmlns:a16="http://schemas.microsoft.com/office/drawing/2014/main" id="{5B81C140-68CE-4123-BF0D-14DB18C48D08}"/>
+              </a:ext>
+            </a:extLst>
+          </p:cNvPr>
+          <p:cNvSpPr>
+            <a:spLocks noGrp="1"/>
+          </p:cNvSpPr>
+          <p:nvPr>
+            <p:ph type="dt" sz="half" idx="10"/>
           </p:nvPr>
         </p:nvSpPr>
         <p:spPr/>
@@ -6237,38 +7255,47 @@
           <a:bodyPr/>
           <a:lstStyle/>
           <a:p>
-            <a:r>
-              <a:rPr lang="en-US" dirty="0"/>
-              <a:t>Market opportunity,</a:t>
-            </a:r>
-          </a:p>
-          <a:p>
-            <a:r>
-              <a:rPr lang="en-US" dirty="0"/>
-              <a:t>Business objectives,</a:t>
-            </a:r>
-          </a:p>
-          <a:p>
-            <a:r>
-              <a:rPr lang="en-US" dirty="0"/>
-              <a:t>Hardware,</a:t>
-            </a:r>
-          </a:p>
-          <a:p>
-            <a:r>
-              <a:rPr lang="en-US" dirty="0"/>
-              <a:t>Data Analysis</a:t>
-            </a:r>
-          </a:p>
-          <a:p>
-            <a:endParaRPr lang="en-US" dirty="0"/>
+            <a:fld id="{1E7A6A8B-A09F-4D9E-8DD8-DC2E23409CF2}" type="datetime1">
+              <a:rPr lang="en-US" smtClean="0"/>
+              <a:t>10/5/2021</a:t>
+            </a:fld>
+            <a:endParaRPr lang="en-US"/>
+          </a:p>
+        </p:txBody>
+      </p:sp>
+      <p:sp>
+        <p:nvSpPr>
+          <p:cNvPr id="4" name="Slide Number Placeholder 3">
+            <a:extLst>
+              <a:ext uri="{FF2B5EF4-FFF2-40B4-BE49-F238E27FC236}">
+                <a16:creationId xmlns:a16="http://schemas.microsoft.com/office/drawing/2014/main" id="{F32BA7DE-3DA7-4EF4-B3E6-11961BD3F75F}"/>
+              </a:ext>
+            </a:extLst>
+          </p:cNvPr>
+          <p:cNvSpPr>
+            <a:spLocks noGrp="1"/>
+          </p:cNvSpPr>
+          <p:nvPr>
+            <p:ph type="sldNum" sz="quarter" idx="12"/>
+          </p:nvPr>
+        </p:nvSpPr>
+        <p:spPr/>
+        <p:txBody>
+          <a:bodyPr/>
+          <a:lstStyle/>
+          <a:p>
+            <a:fld id="{90867E64-9CDD-4594-817B-3148A41C060D}" type="slidenum">
+              <a:rPr lang="en-US" smtClean="0"/>
+              <a:t>9</a:t>
+            </a:fld>
+            <a:endParaRPr lang="en-US"/>
           </a:p>
         </p:txBody>
       </p:sp>
     </p:spTree>
     <p:extLst>
       <p:ext uri="{BB962C8B-B14F-4D97-AF65-F5344CB8AC3E}">
-        <p14:creationId xmlns:p14="http://schemas.microsoft.com/office/powerpoint/2010/main" val="1859460315"/>
+        <p14:creationId xmlns:p14="http://schemas.microsoft.com/office/powerpoint/2010/main" val="4231862525"/>
       </p:ext>
     </p:extLst>
   </p:cSld>
@@ -6534,4 +7561,299 @@
     </a:ext>
   </a:extLst>
 </a:theme>
+</file>
+
+<file path=ppt/theme/theme2.xml><?xml version="1.0" encoding="utf-8"?>
+<a:theme xmlns:a="http://schemas.openxmlformats.org/drawingml/2006/main" name="Office Theme">
+  <a:themeElements>
+    <a:clrScheme name="Office">
+      <a:dk1>
+        <a:sysClr val="windowText" lastClr="000000"/>
+      </a:dk1>
+      <a:lt1>
+        <a:sysClr val="window" lastClr="FFFFFF"/>
+      </a:lt1>
+      <a:dk2>
+        <a:srgbClr val="44546A"/>
+      </a:dk2>
+      <a:lt2>
+        <a:srgbClr val="E7E6E6"/>
+      </a:lt2>
+      <a:accent1>
+        <a:srgbClr val="4472C4"/>
+      </a:accent1>
+      <a:accent2>
+        <a:srgbClr val="ED7D31"/>
+      </a:accent2>
+      <a:accent3>
+        <a:srgbClr val="A5A5A5"/>
+      </a:accent3>
+      <a:accent4>
+        <a:srgbClr val="FFC000"/>
+      </a:accent4>
+      <a:accent5>
+        <a:srgbClr val="5B9BD5"/>
+      </a:accent5>
+      <a:accent6>
+        <a:srgbClr val="70AD47"/>
+      </a:accent6>
+      <a:hlink>
+        <a:srgbClr val="0563C1"/>
+      </a:hlink>
+      <a:folHlink>
+        <a:srgbClr val="954F72"/>
+      </a:folHlink>
+    </a:clrScheme>
+    <a:fontScheme name="Office">
+      <a:majorFont>
+        <a:latin typeface="Calibri Light" panose="020F0302020204030204"/>
+        <a:ea typeface=""/>
+        <a:cs typeface=""/>
+        <a:font script="Jpan" typeface="游ゴシック Light"/>
+        <a:font script="Hang" typeface="맑은 고딕"/>
+        <a:font script="Hans" typeface="等线 Light"/>
+        <a:font script="Hant" typeface="新細明體"/>
+        <a:font script="Arab" typeface="Times New Roman"/>
+        <a:font script="Hebr" typeface="Times New Roman"/>
+        <a:font script="Thai" typeface="Angsana New"/>
+        <a:font script="Ethi" typeface="Nyala"/>
+        <a:font script="Beng" typeface="Vrinda"/>
+        <a:font script="Gujr" typeface="Shruti"/>
+        <a:font script="Khmr" typeface="MoolBoran"/>
+        <a:font script="Knda" typeface="Tunga"/>
+        <a:font script="Guru" typeface="Raavi"/>
+        <a:font script="Cans" typeface="Euphemia"/>
+        <a:font script="Cher" typeface="Plantagenet Cherokee"/>
+        <a:font script="Yiii" typeface="Microsoft Yi Baiti"/>
+        <a:font script="Tibt" typeface="Microsoft Himalaya"/>
+        <a:font script="Thaa" typeface="MV Boli"/>
+        <a:font script="Deva" typeface="Mangal"/>
+        <a:font script="Telu" typeface="Gautami"/>
+        <a:font script="Taml" typeface="Latha"/>
+        <a:font script="Syrc" typeface="Estrangelo Edessa"/>
+        <a:font script="Orya" typeface="Kalinga"/>
+        <a:font script="Mlym" typeface="Kartika"/>
+        <a:font script="Laoo" typeface="DokChampa"/>
+        <a:font script="Sinh" typeface="Iskoola Pota"/>
+        <a:font script="Mong" typeface="Mongolian Baiti"/>
+        <a:font script="Viet" typeface="Times New Roman"/>
+        <a:font script="Uigh" typeface="Microsoft Uighur"/>
+        <a:font script="Geor" typeface="Sylfaen"/>
+        <a:font script="Armn" typeface="Arial"/>
+        <a:font script="Bugi" typeface="Leelawadee UI"/>
+        <a:font script="Bopo" typeface="Microsoft JhengHei"/>
+        <a:font script="Java" typeface="Javanese Text"/>
+        <a:font script="Lisu" typeface="Segoe UI"/>
+        <a:font script="Mymr" typeface="Myanmar Text"/>
+        <a:font script="Nkoo" typeface="Ebrima"/>
+        <a:font script="Olck" typeface="Nirmala UI"/>
+        <a:font script="Osma" typeface="Ebrima"/>
+        <a:font script="Phag" typeface="Phagspa"/>
+        <a:font script="Syrn" typeface="Estrangelo Edessa"/>
+        <a:font script="Syrj" typeface="Estrangelo Edessa"/>
+        <a:font script="Syre" typeface="Estrangelo Edessa"/>
+        <a:font script="Sora" typeface="Nirmala UI"/>
+        <a:font script="Tale" typeface="Microsoft Tai Le"/>
+        <a:font script="Talu" typeface="Microsoft New Tai Lue"/>
+        <a:font script="Tfng" typeface="Ebrima"/>
+      </a:majorFont>
+      <a:minorFont>
+        <a:latin typeface="Calibri" panose="020F0502020204030204"/>
+        <a:ea typeface=""/>
+        <a:cs typeface=""/>
+        <a:font script="Jpan" typeface="游ゴシック"/>
+        <a:font script="Hang" typeface="맑은 고딕"/>
+        <a:font script="Hans" typeface="等线"/>
+        <a:font script="Hant" typeface="新細明體"/>
+        <a:font script="Arab" typeface="Arial"/>
+        <a:font script="Hebr" typeface="Arial"/>
+        <a:font script="Thai" typeface="Cordia New"/>
+        <a:font script="Ethi" typeface="Nyala"/>
+        <a:font script="Beng" typeface="Vrinda"/>
+        <a:font script="Gujr" typeface="Shruti"/>
+        <a:font script="Khmr" typeface="DaunPenh"/>
+        <a:font script="Knda" typeface="Tunga"/>
+        <a:font script="Guru" typeface="Raavi"/>
+        <a:font script="Cans" typeface="Euphemia"/>
+        <a:font script="Cher" typeface="Plantagenet Cherokee"/>
+        <a:font script="Yiii" typeface="Microsoft Yi Baiti"/>
+        <a:font script="Tibt" typeface="Microsoft Himalaya"/>
+        <a:font script="Thaa" typeface="MV Boli"/>
+        <a:font script="Deva" typeface="Mangal"/>
+        <a:font script="Telu" typeface="Gautami"/>
+        <a:font script="Taml" typeface="Latha"/>
+        <a:font script="Syrc" typeface="Estrangelo Edessa"/>
+        <a:font script="Orya" typeface="Kalinga"/>
+        <a:font script="Mlym" typeface="Kartika"/>
+        <a:font script="Laoo" typeface="DokChampa"/>
+        <a:font script="Sinh" typeface="Iskoola Pota"/>
+        <a:font script="Mong" typeface="Mongolian Baiti"/>
+        <a:font script="Viet" typeface="Arial"/>
+        <a:font script="Uigh" typeface="Microsoft Uighur"/>
+        <a:font script="Geor" typeface="Sylfaen"/>
+        <a:font script="Armn" typeface="Arial"/>
+        <a:font script="Bugi" typeface="Leelawadee UI"/>
+        <a:font script="Bopo" typeface="Microsoft JhengHei"/>
+        <a:font script="Java" typeface="Javanese Text"/>
+        <a:font script="Lisu" typeface="Segoe UI"/>
+        <a:font script="Mymr" typeface="Myanmar Text"/>
+        <a:font script="Nkoo" typeface="Ebrima"/>
+        <a:font script="Olck" typeface="Nirmala UI"/>
+        <a:font script="Osma" typeface="Ebrima"/>
+        <a:font script="Phag" typeface="Phagspa"/>
+        <a:font script="Syrn" typeface="Estrangelo Edessa"/>
+        <a:font script="Syrj" typeface="Estrangelo Edessa"/>
+        <a:font script="Syre" typeface="Estrangelo Edessa"/>
+        <a:font script="Sora" typeface="Nirmala UI"/>
+        <a:font script="Tale" typeface="Microsoft Tai Le"/>
+        <a:font script="Talu" typeface="Microsoft New Tai Lue"/>
+        <a:font script="Tfng" typeface="Ebrima"/>
+      </a:minorFont>
+    </a:fontScheme>
+    <a:fmtScheme name="Office">
+      <a:fillStyleLst>
+        <a:solidFill>
+          <a:schemeClr val="phClr"/>
+        </a:solidFill>
+        <a:gradFill rotWithShape="1">
+          <a:gsLst>
+            <a:gs pos="0">
+              <a:schemeClr val="phClr">
+                <a:lumMod val="110000"/>
+                <a:satMod val="105000"/>
+                <a:tint val="67000"/>
+              </a:schemeClr>
+            </a:gs>
+            <a:gs pos="50000">
+              <a:schemeClr val="phClr">
+                <a:lumMod val="105000"/>
+                <a:satMod val="103000"/>
+                <a:tint val="73000"/>
+              </a:schemeClr>
+            </a:gs>
+            <a:gs pos="100000">
+              <a:schemeClr val="phClr">
+                <a:lumMod val="105000"/>
+                <a:satMod val="109000"/>
+                <a:tint val="81000"/>
+              </a:schemeClr>
+            </a:gs>
+          </a:gsLst>
+          <a:lin ang="5400000" scaled="0"/>
+        </a:gradFill>
+        <a:gradFill rotWithShape="1">
+          <a:gsLst>
+            <a:gs pos="0">
+              <a:schemeClr val="phClr">
+                <a:satMod val="103000"/>
+                <a:lumMod val="102000"/>
+                <a:tint val="94000"/>
+              </a:schemeClr>
+            </a:gs>
+            <a:gs pos="50000">
+              <a:schemeClr val="phClr">
+                <a:satMod val="110000"/>
+                <a:lumMod val="100000"/>
+                <a:shade val="100000"/>
+              </a:schemeClr>
+            </a:gs>
+            <a:gs pos="100000">
+              <a:schemeClr val="phClr">
+                <a:lumMod val="99000"/>
+                <a:satMod val="120000"/>
+                <a:shade val="78000"/>
+              </a:schemeClr>
+            </a:gs>
+          </a:gsLst>
+          <a:lin ang="5400000" scaled="0"/>
+        </a:gradFill>
+      </a:fillStyleLst>
+      <a:lnStyleLst>
+        <a:ln w="6350" cap="flat" cmpd="sng" algn="ctr">
+          <a:solidFill>
+            <a:schemeClr val="phClr"/>
+          </a:solidFill>
+          <a:prstDash val="solid"/>
+          <a:miter lim="800000"/>
+        </a:ln>
+        <a:ln w="12700" cap="flat" cmpd="sng" algn="ctr">
+          <a:solidFill>
+            <a:schemeClr val="phClr"/>
+          </a:solidFill>
+          <a:prstDash val="solid"/>
+          <a:miter lim="800000"/>
+        </a:ln>
+        <a:ln w="19050" cap="flat" cmpd="sng" algn="ctr">
+          <a:solidFill>
+            <a:schemeClr val="phClr"/>
+          </a:solidFill>
+          <a:prstDash val="solid"/>
+          <a:miter lim="800000"/>
+        </a:ln>
+      </a:lnStyleLst>
+      <a:effectStyleLst>
+        <a:effectStyle>
+          <a:effectLst/>
+        </a:effectStyle>
+        <a:effectStyle>
+          <a:effectLst/>
+        </a:effectStyle>
+        <a:effectStyle>
+          <a:effectLst>
+            <a:outerShdw blurRad="57150" dist="19050" dir="5400000" algn="ctr" rotWithShape="0">
+              <a:srgbClr val="000000">
+                <a:alpha val="63000"/>
+              </a:srgbClr>
+            </a:outerShdw>
+          </a:effectLst>
+        </a:effectStyle>
+      </a:effectStyleLst>
+      <a:bgFillStyleLst>
+        <a:solidFill>
+          <a:schemeClr val="phClr"/>
+        </a:solidFill>
+        <a:solidFill>
+          <a:schemeClr val="phClr">
+            <a:tint val="95000"/>
+            <a:satMod val="170000"/>
+          </a:schemeClr>
+        </a:solidFill>
+        <a:gradFill rotWithShape="1">
+          <a:gsLst>
+            <a:gs pos="0">
+              <a:schemeClr val="phClr">
+                <a:tint val="93000"/>
+                <a:satMod val="150000"/>
+                <a:shade val="98000"/>
+                <a:lumMod val="102000"/>
+              </a:schemeClr>
+            </a:gs>
+            <a:gs pos="50000">
+              <a:schemeClr val="phClr">
+                <a:tint val="98000"/>
+                <a:satMod val="130000"/>
+                <a:shade val="90000"/>
+                <a:lumMod val="103000"/>
+              </a:schemeClr>
+            </a:gs>
+            <a:gs pos="100000">
+              <a:schemeClr val="phClr">
+                <a:shade val="63000"/>
+                <a:satMod val="120000"/>
+              </a:schemeClr>
+            </a:gs>
+          </a:gsLst>
+          <a:lin ang="5400000" scaled="0"/>
+        </a:gradFill>
+      </a:bgFillStyleLst>
+    </a:fmtScheme>
+  </a:themeElements>
+  <a:objectDefaults/>
+  <a:extraClrSchemeLst/>
+  <a:extLst>
+    <a:ext uri="{05A4C25C-085E-4340-85A3-A5531E510DB2}">
+      <thm15:themeFamily xmlns:thm15="http://schemas.microsoft.com/office/thememl/2012/main" name="Office Theme" id="{62F939B6-93AF-4DB8-9C6B-D6C7DFDC589F}" vid="{4A3C46E8-61CC-4603-A589-7422A47A8E4A}"/>
+    </a:ext>
+  </a:extLst>
+</a:theme>
 </file>